--- a/wlgt/yunwei/2. 模块及跳线的基本认识.pptx
+++ b/wlgt/yunwei/2. 模块及跳线的基本认识.pptx
@@ -125,7 +125,7 @@
   </p:defaultTextStyle>
   <p:extLst>
     <p:ext uri="{521415D9-36F7-43E2-AB2F-B90AF26B5E84}">
-      <p14:sectionLst xmlns:p14="http://schemas.microsoft.com/office/powerpoint/2010/main" xmlns="">
+      <p14:sectionLst xmlns:p14="http://schemas.microsoft.com/office/powerpoint/2010/main">
         <p14:section name="默认节" id="{BA3F49C8-1E20-4CFE-A2B5-5F494F20B820}">
           <p14:sldIdLst>
             <p14:sldId id="256"/>
@@ -148,10 +148,23 @@
             <p14:sldId id="273"/>
             <p14:sldId id="274"/>
             <p14:sldId id="275"/>
-            <p14:sldId id="276"/>
           </p14:sldIdLst>
         </p14:section>
       </p14:sectionLst>
+    </p:ext>
+    <p:ext uri="{EFAFB233-063F-42B5-8137-9DF3F51BA10A}">
+      <p15:sldGuideLst xmlns:p15="http://schemas.microsoft.com/office/powerpoint/2012/main">
+        <p15:guide id="1" orient="horz" pos="2160">
+          <p15:clr>
+            <a:srgbClr val="A4A3A4"/>
+          </p15:clr>
+        </p15:guide>
+        <p15:guide id="2" pos="2880">
+          <p15:clr>
+            <a:srgbClr val="A4A3A4"/>
+          </p15:clr>
+        </p15:guide>
+      </p15:sldGuideLst>
     </p:ext>
   </p:extLst>
 </p:presentation>
@@ -195,10 +208,9 @@
           <a:lstStyle/>
           <a:p>
             <a:r>
-              <a:rPr lang="zh-CN" altLang="en-US" smtClean="0"/>
+              <a:rPr lang="zh-CN" altLang="en-US"/>
               <a:t>单击此处编辑母版标题样式</a:t>
             </a:r>
-            <a:endParaRPr lang="zh-CN" altLang="en-US"/>
           </a:p>
         </p:txBody>
       </p:sp>
@@ -314,10 +326,9 @@
           </a:lstStyle>
           <a:p>
             <a:r>
-              <a:rPr lang="zh-CN" altLang="en-US" smtClean="0"/>
+              <a:rPr lang="zh-CN" altLang="en-US"/>
               <a:t>单击此处编辑母版副标题样式</a:t>
             </a:r>
-            <a:endParaRPr lang="zh-CN" altLang="en-US"/>
           </a:p>
         </p:txBody>
       </p:sp>
@@ -339,7 +350,7 @@
             <a:fld id="{530820CF-B880-4189-942D-D702A7CBA730}" type="datetimeFigureOut">
               <a:rPr lang="zh-CN" altLang="en-US" smtClean="0"/>
               <a:pPr/>
-              <a:t>2016/12/26</a:t>
+              <a:t>2020/12/2</a:t>
             </a:fld>
             <a:endParaRPr lang="zh-CN" altLang="en-US"/>
           </a:p>
@@ -429,10 +440,9 @@
           <a:lstStyle/>
           <a:p>
             <a:r>
-              <a:rPr lang="zh-CN" altLang="en-US" smtClean="0"/>
+              <a:rPr lang="zh-CN" altLang="en-US"/>
               <a:t>单击此处编辑母版标题样式</a:t>
             </a:r>
-            <a:endParaRPr lang="zh-CN" altLang="en-US"/>
           </a:p>
         </p:txBody>
       </p:sp>
@@ -453,38 +463,37 @@
           <a:p>
             <a:pPr lvl="0"/>
             <a:r>
-              <a:rPr lang="zh-CN" altLang="en-US" smtClean="0"/>
+              <a:rPr lang="zh-CN" altLang="en-US"/>
               <a:t>单击此处编辑母版文本样式</a:t>
             </a:r>
           </a:p>
           <a:p>
             <a:pPr lvl="1"/>
             <a:r>
-              <a:rPr lang="zh-CN" altLang="en-US" smtClean="0"/>
+              <a:rPr lang="zh-CN" altLang="en-US"/>
               <a:t>第二级</a:t>
             </a:r>
           </a:p>
           <a:p>
             <a:pPr lvl="2"/>
             <a:r>
-              <a:rPr lang="zh-CN" altLang="en-US" smtClean="0"/>
+              <a:rPr lang="zh-CN" altLang="en-US"/>
               <a:t>第三级</a:t>
             </a:r>
           </a:p>
           <a:p>
             <a:pPr lvl="3"/>
             <a:r>
-              <a:rPr lang="zh-CN" altLang="en-US" smtClean="0"/>
+              <a:rPr lang="zh-CN" altLang="en-US"/>
               <a:t>第四级</a:t>
             </a:r>
           </a:p>
           <a:p>
             <a:pPr lvl="4"/>
             <a:r>
-              <a:rPr lang="zh-CN" altLang="en-US" smtClean="0"/>
+              <a:rPr lang="zh-CN" altLang="en-US"/>
               <a:t>第五级</a:t>
             </a:r>
-            <a:endParaRPr lang="zh-CN" altLang="en-US"/>
           </a:p>
         </p:txBody>
       </p:sp>
@@ -506,7 +515,7 @@
             <a:fld id="{530820CF-B880-4189-942D-D702A7CBA730}" type="datetimeFigureOut">
               <a:rPr lang="zh-CN" altLang="en-US" smtClean="0"/>
               <a:pPr/>
-              <a:t>2016/12/26</a:t>
+              <a:t>2020/12/2</a:t>
             </a:fld>
             <a:endParaRPr lang="zh-CN" altLang="en-US"/>
           </a:p>
@@ -601,10 +610,9 @@
           <a:lstStyle/>
           <a:p>
             <a:r>
-              <a:rPr lang="zh-CN" altLang="en-US" smtClean="0"/>
+              <a:rPr lang="zh-CN" altLang="en-US"/>
               <a:t>单击此处编辑母版标题样式</a:t>
             </a:r>
-            <a:endParaRPr lang="zh-CN" altLang="en-US"/>
           </a:p>
         </p:txBody>
       </p:sp>
@@ -630,38 +638,37 @@
           <a:p>
             <a:pPr lvl="0"/>
             <a:r>
-              <a:rPr lang="zh-CN" altLang="en-US" smtClean="0"/>
+              <a:rPr lang="zh-CN" altLang="en-US"/>
               <a:t>单击此处编辑母版文本样式</a:t>
             </a:r>
           </a:p>
           <a:p>
             <a:pPr lvl="1"/>
             <a:r>
-              <a:rPr lang="zh-CN" altLang="en-US" smtClean="0"/>
+              <a:rPr lang="zh-CN" altLang="en-US"/>
               <a:t>第二级</a:t>
             </a:r>
           </a:p>
           <a:p>
             <a:pPr lvl="2"/>
             <a:r>
-              <a:rPr lang="zh-CN" altLang="en-US" smtClean="0"/>
+              <a:rPr lang="zh-CN" altLang="en-US"/>
               <a:t>第三级</a:t>
             </a:r>
           </a:p>
           <a:p>
             <a:pPr lvl="3"/>
             <a:r>
-              <a:rPr lang="zh-CN" altLang="en-US" smtClean="0"/>
+              <a:rPr lang="zh-CN" altLang="en-US"/>
               <a:t>第四级</a:t>
             </a:r>
           </a:p>
           <a:p>
             <a:pPr lvl="4"/>
             <a:r>
-              <a:rPr lang="zh-CN" altLang="en-US" smtClean="0"/>
+              <a:rPr lang="zh-CN" altLang="en-US"/>
               <a:t>第五级</a:t>
             </a:r>
-            <a:endParaRPr lang="zh-CN" altLang="en-US"/>
           </a:p>
         </p:txBody>
       </p:sp>
@@ -683,7 +690,7 @@
             <a:fld id="{530820CF-B880-4189-942D-D702A7CBA730}" type="datetimeFigureOut">
               <a:rPr lang="zh-CN" altLang="en-US" smtClean="0"/>
               <a:pPr/>
-              <a:t>2016/12/26</a:t>
+              <a:t>2020/12/2</a:t>
             </a:fld>
             <a:endParaRPr lang="zh-CN" altLang="en-US"/>
           </a:p>
@@ -773,10 +780,9 @@
           <a:lstStyle/>
           <a:p>
             <a:r>
-              <a:rPr lang="zh-CN" altLang="en-US" smtClean="0"/>
+              <a:rPr lang="zh-CN" altLang="en-US"/>
               <a:t>单击此处编辑母版标题样式</a:t>
             </a:r>
-            <a:endParaRPr lang="zh-CN" altLang="en-US"/>
           </a:p>
         </p:txBody>
       </p:sp>
@@ -797,38 +803,37 @@
           <a:p>
             <a:pPr lvl="0"/>
             <a:r>
-              <a:rPr lang="zh-CN" altLang="en-US" smtClean="0"/>
+              <a:rPr lang="zh-CN" altLang="en-US"/>
               <a:t>单击此处编辑母版文本样式</a:t>
             </a:r>
           </a:p>
           <a:p>
             <a:pPr lvl="1"/>
             <a:r>
-              <a:rPr lang="zh-CN" altLang="en-US" smtClean="0"/>
+              <a:rPr lang="zh-CN" altLang="en-US"/>
               <a:t>第二级</a:t>
             </a:r>
           </a:p>
           <a:p>
             <a:pPr lvl="2"/>
             <a:r>
-              <a:rPr lang="zh-CN" altLang="en-US" smtClean="0"/>
+              <a:rPr lang="zh-CN" altLang="en-US"/>
               <a:t>第三级</a:t>
             </a:r>
           </a:p>
           <a:p>
             <a:pPr lvl="3"/>
             <a:r>
-              <a:rPr lang="zh-CN" altLang="en-US" smtClean="0"/>
+              <a:rPr lang="zh-CN" altLang="en-US"/>
               <a:t>第四级</a:t>
             </a:r>
           </a:p>
           <a:p>
             <a:pPr lvl="4"/>
             <a:r>
-              <a:rPr lang="zh-CN" altLang="en-US" smtClean="0"/>
+              <a:rPr lang="zh-CN" altLang="en-US"/>
               <a:t>第五级</a:t>
             </a:r>
-            <a:endParaRPr lang="zh-CN" altLang="en-US"/>
           </a:p>
         </p:txBody>
       </p:sp>
@@ -850,7 +855,7 @@
             <a:fld id="{530820CF-B880-4189-942D-D702A7CBA730}" type="datetimeFigureOut">
               <a:rPr lang="zh-CN" altLang="en-US" smtClean="0"/>
               <a:pPr/>
-              <a:t>2016/12/26</a:t>
+              <a:t>2020/12/2</a:t>
             </a:fld>
             <a:endParaRPr lang="zh-CN" altLang="en-US"/>
           </a:p>
@@ -949,10 +954,9 @@
           </a:lstStyle>
           <a:p>
             <a:r>
-              <a:rPr lang="zh-CN" altLang="en-US" smtClean="0"/>
+              <a:rPr lang="zh-CN" altLang="en-US"/>
               <a:t>单击此处编辑母版标题样式</a:t>
             </a:r>
-            <a:endParaRPr lang="zh-CN" altLang="en-US"/>
           </a:p>
         </p:txBody>
       </p:sp>
@@ -1069,7 +1073,7 @@
           <a:p>
             <a:pPr lvl="0"/>
             <a:r>
-              <a:rPr lang="zh-CN" altLang="en-US" smtClean="0"/>
+              <a:rPr lang="zh-CN" altLang="en-US"/>
               <a:t>单击此处编辑母版文本样式</a:t>
             </a:r>
           </a:p>
@@ -1093,7 +1097,7 @@
             <a:fld id="{530820CF-B880-4189-942D-D702A7CBA730}" type="datetimeFigureOut">
               <a:rPr lang="zh-CN" altLang="en-US" smtClean="0"/>
               <a:pPr/>
-              <a:t>2016/12/26</a:t>
+              <a:t>2020/12/2</a:t>
             </a:fld>
             <a:endParaRPr lang="zh-CN" altLang="en-US"/>
           </a:p>
@@ -1183,10 +1187,9 @@
           <a:lstStyle/>
           <a:p>
             <a:r>
-              <a:rPr lang="zh-CN" altLang="en-US" smtClean="0"/>
+              <a:rPr lang="zh-CN" altLang="en-US"/>
               <a:t>单击此处编辑母版标题样式</a:t>
             </a:r>
-            <a:endParaRPr lang="zh-CN" altLang="en-US"/>
           </a:p>
         </p:txBody>
       </p:sp>
@@ -1240,38 +1243,37 @@
           <a:p>
             <a:pPr lvl="0"/>
             <a:r>
-              <a:rPr lang="zh-CN" altLang="en-US" smtClean="0"/>
+              <a:rPr lang="zh-CN" altLang="en-US"/>
               <a:t>单击此处编辑母版文本样式</a:t>
             </a:r>
           </a:p>
           <a:p>
             <a:pPr lvl="1"/>
             <a:r>
-              <a:rPr lang="zh-CN" altLang="en-US" smtClean="0"/>
+              <a:rPr lang="zh-CN" altLang="en-US"/>
               <a:t>第二级</a:t>
             </a:r>
           </a:p>
           <a:p>
             <a:pPr lvl="2"/>
             <a:r>
-              <a:rPr lang="zh-CN" altLang="en-US" smtClean="0"/>
+              <a:rPr lang="zh-CN" altLang="en-US"/>
               <a:t>第三级</a:t>
             </a:r>
           </a:p>
           <a:p>
             <a:pPr lvl="3"/>
             <a:r>
-              <a:rPr lang="zh-CN" altLang="en-US" smtClean="0"/>
+              <a:rPr lang="zh-CN" altLang="en-US"/>
               <a:t>第四级</a:t>
             </a:r>
           </a:p>
           <a:p>
             <a:pPr lvl="4"/>
             <a:r>
-              <a:rPr lang="zh-CN" altLang="en-US" smtClean="0"/>
+              <a:rPr lang="zh-CN" altLang="en-US"/>
               <a:t>第五级</a:t>
             </a:r>
-            <a:endParaRPr lang="zh-CN" altLang="en-US"/>
           </a:p>
         </p:txBody>
       </p:sp>
@@ -1325,38 +1327,37 @@
           <a:p>
             <a:pPr lvl="0"/>
             <a:r>
-              <a:rPr lang="zh-CN" altLang="en-US" smtClean="0"/>
+              <a:rPr lang="zh-CN" altLang="en-US"/>
               <a:t>单击此处编辑母版文本样式</a:t>
             </a:r>
           </a:p>
           <a:p>
             <a:pPr lvl="1"/>
             <a:r>
-              <a:rPr lang="zh-CN" altLang="en-US" smtClean="0"/>
+              <a:rPr lang="zh-CN" altLang="en-US"/>
               <a:t>第二级</a:t>
             </a:r>
           </a:p>
           <a:p>
             <a:pPr lvl="2"/>
             <a:r>
-              <a:rPr lang="zh-CN" altLang="en-US" smtClean="0"/>
+              <a:rPr lang="zh-CN" altLang="en-US"/>
               <a:t>第三级</a:t>
             </a:r>
           </a:p>
           <a:p>
             <a:pPr lvl="3"/>
             <a:r>
-              <a:rPr lang="zh-CN" altLang="en-US" smtClean="0"/>
+              <a:rPr lang="zh-CN" altLang="en-US"/>
               <a:t>第四级</a:t>
             </a:r>
           </a:p>
           <a:p>
             <a:pPr lvl="4"/>
             <a:r>
-              <a:rPr lang="zh-CN" altLang="en-US" smtClean="0"/>
+              <a:rPr lang="zh-CN" altLang="en-US"/>
               <a:t>第五级</a:t>
             </a:r>
-            <a:endParaRPr lang="zh-CN" altLang="en-US"/>
           </a:p>
         </p:txBody>
       </p:sp>
@@ -1378,7 +1379,7 @@
             <a:fld id="{530820CF-B880-4189-942D-D702A7CBA730}" type="datetimeFigureOut">
               <a:rPr lang="zh-CN" altLang="en-US" smtClean="0"/>
               <a:pPr/>
-              <a:t>2016/12/26</a:t>
+              <a:t>2020/12/2</a:t>
             </a:fld>
             <a:endParaRPr lang="zh-CN" altLang="en-US"/>
           </a:p>
@@ -1472,10 +1473,9 @@
           </a:lstStyle>
           <a:p>
             <a:r>
-              <a:rPr lang="zh-CN" altLang="en-US" smtClean="0"/>
+              <a:rPr lang="zh-CN" altLang="en-US"/>
               <a:t>单击此处编辑母版标题样式</a:t>
             </a:r>
-            <a:endParaRPr lang="zh-CN" altLang="en-US"/>
           </a:p>
         </p:txBody>
       </p:sp>
@@ -1538,7 +1538,7 @@
           <a:p>
             <a:pPr lvl="0"/>
             <a:r>
-              <a:rPr lang="zh-CN" altLang="en-US" smtClean="0"/>
+              <a:rPr lang="zh-CN" altLang="en-US"/>
               <a:t>单击此处编辑母版文本样式</a:t>
             </a:r>
           </a:p>
@@ -1594,38 +1594,37 @@
           <a:p>
             <a:pPr lvl="0"/>
             <a:r>
-              <a:rPr lang="zh-CN" altLang="en-US" smtClean="0"/>
+              <a:rPr lang="zh-CN" altLang="en-US"/>
               <a:t>单击此处编辑母版文本样式</a:t>
             </a:r>
           </a:p>
           <a:p>
             <a:pPr lvl="1"/>
             <a:r>
-              <a:rPr lang="zh-CN" altLang="en-US" smtClean="0"/>
+              <a:rPr lang="zh-CN" altLang="en-US"/>
               <a:t>第二级</a:t>
             </a:r>
           </a:p>
           <a:p>
             <a:pPr lvl="2"/>
             <a:r>
-              <a:rPr lang="zh-CN" altLang="en-US" smtClean="0"/>
+              <a:rPr lang="zh-CN" altLang="en-US"/>
               <a:t>第三级</a:t>
             </a:r>
           </a:p>
           <a:p>
             <a:pPr lvl="3"/>
             <a:r>
-              <a:rPr lang="zh-CN" altLang="en-US" smtClean="0"/>
+              <a:rPr lang="zh-CN" altLang="en-US"/>
               <a:t>第四级</a:t>
             </a:r>
           </a:p>
           <a:p>
             <a:pPr lvl="4"/>
             <a:r>
-              <a:rPr lang="zh-CN" altLang="en-US" smtClean="0"/>
+              <a:rPr lang="zh-CN" altLang="en-US"/>
               <a:t>第五级</a:t>
             </a:r>
-            <a:endParaRPr lang="zh-CN" altLang="en-US"/>
           </a:p>
         </p:txBody>
       </p:sp>
@@ -1688,7 +1687,7 @@
           <a:p>
             <a:pPr lvl="0"/>
             <a:r>
-              <a:rPr lang="zh-CN" altLang="en-US" smtClean="0"/>
+              <a:rPr lang="zh-CN" altLang="en-US"/>
               <a:t>单击此处编辑母版文本样式</a:t>
             </a:r>
           </a:p>
@@ -1744,38 +1743,37 @@
           <a:p>
             <a:pPr lvl="0"/>
             <a:r>
-              <a:rPr lang="zh-CN" altLang="en-US" smtClean="0"/>
+              <a:rPr lang="zh-CN" altLang="en-US"/>
               <a:t>单击此处编辑母版文本样式</a:t>
             </a:r>
           </a:p>
           <a:p>
             <a:pPr lvl="1"/>
             <a:r>
-              <a:rPr lang="zh-CN" altLang="en-US" smtClean="0"/>
+              <a:rPr lang="zh-CN" altLang="en-US"/>
               <a:t>第二级</a:t>
             </a:r>
           </a:p>
           <a:p>
             <a:pPr lvl="2"/>
             <a:r>
-              <a:rPr lang="zh-CN" altLang="en-US" smtClean="0"/>
+              <a:rPr lang="zh-CN" altLang="en-US"/>
               <a:t>第三级</a:t>
             </a:r>
           </a:p>
           <a:p>
             <a:pPr lvl="3"/>
             <a:r>
-              <a:rPr lang="zh-CN" altLang="en-US" smtClean="0"/>
+              <a:rPr lang="zh-CN" altLang="en-US"/>
               <a:t>第四级</a:t>
             </a:r>
           </a:p>
           <a:p>
             <a:pPr lvl="4"/>
             <a:r>
-              <a:rPr lang="zh-CN" altLang="en-US" smtClean="0"/>
+              <a:rPr lang="zh-CN" altLang="en-US"/>
               <a:t>第五级</a:t>
             </a:r>
-            <a:endParaRPr lang="zh-CN" altLang="en-US"/>
           </a:p>
         </p:txBody>
       </p:sp>
@@ -1797,7 +1795,7 @@
             <a:fld id="{530820CF-B880-4189-942D-D702A7CBA730}" type="datetimeFigureOut">
               <a:rPr lang="zh-CN" altLang="en-US" smtClean="0"/>
               <a:pPr/>
-              <a:t>2016/12/26</a:t>
+              <a:t>2020/12/2</a:t>
             </a:fld>
             <a:endParaRPr lang="zh-CN" altLang="en-US"/>
           </a:p>
@@ -1887,10 +1885,9 @@
           <a:lstStyle/>
           <a:p>
             <a:r>
-              <a:rPr lang="zh-CN" altLang="en-US" smtClean="0"/>
+              <a:rPr lang="zh-CN" altLang="en-US"/>
               <a:t>单击此处编辑母版标题样式</a:t>
             </a:r>
-            <a:endParaRPr lang="zh-CN" altLang="en-US"/>
           </a:p>
         </p:txBody>
       </p:sp>
@@ -1912,7 +1909,7 @@
             <a:fld id="{530820CF-B880-4189-942D-D702A7CBA730}" type="datetimeFigureOut">
               <a:rPr lang="zh-CN" altLang="en-US" smtClean="0"/>
               <a:pPr/>
-              <a:t>2016/12/26</a:t>
+              <a:t>2020/12/2</a:t>
             </a:fld>
             <a:endParaRPr lang="zh-CN" altLang="en-US"/>
           </a:p>
@@ -2004,7 +2001,7 @@
             <a:fld id="{530820CF-B880-4189-942D-D702A7CBA730}" type="datetimeFigureOut">
               <a:rPr lang="zh-CN" altLang="en-US" smtClean="0"/>
               <a:pPr/>
-              <a:t>2016/12/26</a:t>
+              <a:t>2020/12/2</a:t>
             </a:fld>
             <a:endParaRPr lang="zh-CN" altLang="en-US"/>
           </a:p>
@@ -2103,10 +2100,9 @@
           </a:lstStyle>
           <a:p>
             <a:r>
-              <a:rPr lang="zh-CN" altLang="en-US" smtClean="0"/>
+              <a:rPr lang="zh-CN" altLang="en-US"/>
               <a:t>单击此处编辑母版标题样式</a:t>
             </a:r>
-            <a:endParaRPr lang="zh-CN" altLang="en-US"/>
           </a:p>
         </p:txBody>
       </p:sp>
@@ -2160,38 +2156,37 @@
           <a:p>
             <a:pPr lvl="0"/>
             <a:r>
-              <a:rPr lang="zh-CN" altLang="en-US" smtClean="0"/>
+              <a:rPr lang="zh-CN" altLang="en-US"/>
               <a:t>单击此处编辑母版文本样式</a:t>
             </a:r>
           </a:p>
           <a:p>
             <a:pPr lvl="1"/>
             <a:r>
-              <a:rPr lang="zh-CN" altLang="en-US" smtClean="0"/>
+              <a:rPr lang="zh-CN" altLang="en-US"/>
               <a:t>第二级</a:t>
             </a:r>
           </a:p>
           <a:p>
             <a:pPr lvl="2"/>
             <a:r>
-              <a:rPr lang="zh-CN" altLang="en-US" smtClean="0"/>
+              <a:rPr lang="zh-CN" altLang="en-US"/>
               <a:t>第三级</a:t>
             </a:r>
           </a:p>
           <a:p>
             <a:pPr lvl="3"/>
             <a:r>
-              <a:rPr lang="zh-CN" altLang="en-US" smtClean="0"/>
+              <a:rPr lang="zh-CN" altLang="en-US"/>
               <a:t>第四级</a:t>
             </a:r>
           </a:p>
           <a:p>
             <a:pPr lvl="4"/>
             <a:r>
-              <a:rPr lang="zh-CN" altLang="en-US" smtClean="0"/>
+              <a:rPr lang="zh-CN" altLang="en-US"/>
               <a:t>第五级</a:t>
             </a:r>
-            <a:endParaRPr lang="zh-CN" altLang="en-US"/>
           </a:p>
         </p:txBody>
       </p:sp>
@@ -2254,7 +2249,7 @@
           <a:p>
             <a:pPr lvl="0"/>
             <a:r>
-              <a:rPr lang="zh-CN" altLang="en-US" smtClean="0"/>
+              <a:rPr lang="zh-CN" altLang="en-US"/>
               <a:t>单击此处编辑母版文本样式</a:t>
             </a:r>
           </a:p>
@@ -2278,7 +2273,7 @@
             <a:fld id="{530820CF-B880-4189-942D-D702A7CBA730}" type="datetimeFigureOut">
               <a:rPr lang="zh-CN" altLang="en-US" smtClean="0"/>
               <a:pPr/>
-              <a:t>2016/12/26</a:t>
+              <a:t>2020/12/2</a:t>
             </a:fld>
             <a:endParaRPr lang="zh-CN" altLang="en-US"/>
           </a:p>
@@ -2377,10 +2372,9 @@
           </a:lstStyle>
           <a:p>
             <a:r>
-              <a:rPr lang="zh-CN" altLang="en-US" smtClean="0"/>
+              <a:rPr lang="zh-CN" altLang="en-US"/>
               <a:t>单击此处编辑母版标题样式</a:t>
             </a:r>
-            <a:endParaRPr lang="zh-CN" altLang="en-US"/>
           </a:p>
         </p:txBody>
       </p:sp>
@@ -2504,7 +2498,7 @@
           <a:p>
             <a:pPr lvl="0"/>
             <a:r>
-              <a:rPr lang="zh-CN" altLang="en-US" smtClean="0"/>
+              <a:rPr lang="zh-CN" altLang="en-US"/>
               <a:t>单击此处编辑母版文本样式</a:t>
             </a:r>
           </a:p>
@@ -2528,7 +2522,7 @@
             <a:fld id="{530820CF-B880-4189-942D-D702A7CBA730}" type="datetimeFigureOut">
               <a:rPr lang="zh-CN" altLang="en-US" smtClean="0"/>
               <a:pPr/>
-              <a:t>2016/12/26</a:t>
+              <a:t>2020/12/2</a:t>
             </a:fld>
             <a:endParaRPr lang="zh-CN" altLang="en-US"/>
           </a:p>
@@ -2633,10 +2627,9 @@
           <a:lstStyle/>
           <a:p>
             <a:r>
-              <a:rPr lang="zh-CN" altLang="en-US" smtClean="0"/>
+              <a:rPr lang="zh-CN" altLang="en-US"/>
               <a:t>单击此处编辑母版标题样式</a:t>
             </a:r>
-            <a:endParaRPr lang="zh-CN" altLang="en-US"/>
           </a:p>
         </p:txBody>
       </p:sp>
@@ -2667,38 +2660,37 @@
           <a:p>
             <a:pPr lvl="0"/>
             <a:r>
-              <a:rPr lang="zh-CN" altLang="en-US" smtClean="0"/>
+              <a:rPr lang="zh-CN" altLang="en-US"/>
               <a:t>单击此处编辑母版文本样式</a:t>
             </a:r>
           </a:p>
           <a:p>
             <a:pPr lvl="1"/>
             <a:r>
-              <a:rPr lang="zh-CN" altLang="en-US" smtClean="0"/>
+              <a:rPr lang="zh-CN" altLang="en-US"/>
               <a:t>第二级</a:t>
             </a:r>
           </a:p>
           <a:p>
             <a:pPr lvl="2"/>
             <a:r>
-              <a:rPr lang="zh-CN" altLang="en-US" smtClean="0"/>
+              <a:rPr lang="zh-CN" altLang="en-US"/>
               <a:t>第三级</a:t>
             </a:r>
           </a:p>
           <a:p>
             <a:pPr lvl="3"/>
             <a:r>
-              <a:rPr lang="zh-CN" altLang="en-US" smtClean="0"/>
+              <a:rPr lang="zh-CN" altLang="en-US"/>
               <a:t>第四级</a:t>
             </a:r>
           </a:p>
           <a:p>
             <a:pPr lvl="4"/>
             <a:r>
-              <a:rPr lang="zh-CN" altLang="en-US" smtClean="0"/>
+              <a:rPr lang="zh-CN" altLang="en-US"/>
               <a:t>第五级</a:t>
             </a:r>
-            <a:endParaRPr lang="zh-CN" altLang="en-US"/>
           </a:p>
         </p:txBody>
       </p:sp>
@@ -2738,7 +2730,7 @@
             <a:fld id="{530820CF-B880-4189-942D-D702A7CBA730}" type="datetimeFigureOut">
               <a:rPr lang="zh-CN" altLang="en-US" smtClean="0"/>
               <a:pPr/>
-              <a:t>2016/12/26</a:t>
+              <a:t>2020/12/2</a:t>
             </a:fld>
             <a:endParaRPr lang="zh-CN" altLang="en-US"/>
           </a:p>
@@ -3125,10 +3117,9 @@
           <a:lstStyle/>
           <a:p>
             <a:r>
-              <a:rPr lang="zh-CN" altLang="en-US" dirty="0" smtClean="0"/>
+              <a:rPr lang="zh-CN" altLang="en-US" dirty="0"/>
               <a:t>网联光通</a:t>
             </a:r>
-            <a:endParaRPr lang="zh-CN" altLang="en-US" dirty="0"/>
           </a:p>
         </p:txBody>
       </p:sp>
@@ -3148,30 +3139,22 @@
           <a:lstStyle/>
           <a:p>
             <a:r>
-              <a:rPr lang="zh-CN" altLang="en-US" dirty="0" smtClean="0"/>
+              <a:rPr lang="zh-CN" altLang="en-US" dirty="0"/>
               <a:t>模块及跳线（尾纤）的基本认识</a:t>
             </a:r>
-            <a:endParaRPr lang="zh-CN" altLang="en-US" dirty="0"/>
           </a:p>
         </p:txBody>
       </p:sp>
     </p:spTree>
     <p:extLst>
       <p:ext uri="{BB962C8B-B14F-4D97-AF65-F5344CB8AC3E}">
-        <p14:creationId xmlns:p14="http://schemas.microsoft.com/office/powerpoint/2010/main" xmlns="" val="2672196330"/>
+        <p14:creationId xmlns:p14="http://schemas.microsoft.com/office/powerpoint/2010/main" val="2672196330"/>
       </p:ext>
     </p:extLst>
   </p:cSld>
   <p:clrMapOvr>
     <a:masterClrMapping/>
   </p:clrMapOvr>
-  <p:timing>
-    <p:tnLst>
-      <p:par>
-        <p:cTn id="1" dur="indefinite" restart="never" nodeType="tmRoot"/>
-      </p:par>
-    </p:tnLst>
-  </p:timing>
 </p:sld>
 </file>
 
@@ -3213,7 +3196,7 @@
           <a:lstStyle/>
           <a:p>
             <a:r>
-              <a:rPr lang="en-US" altLang="zh-CN" dirty="0" smtClean="0"/>
+              <a:rPr lang="en-US" altLang="zh-CN" dirty="0"/>
               <a:t>CWDM-1.25G-SFP-(1470-1610)</a:t>
             </a:r>
             <a:endParaRPr lang="zh-CN" altLang="en-US" dirty="0"/>
@@ -3234,7 +3217,7 @@
           <a:blip r:embed="rId2" cstate="print">
             <a:extLst>
               <a:ext uri="{28A0092B-C50C-407E-A947-70E740481C1C}">
-                <a14:useLocalDpi xmlns:a14="http://schemas.microsoft.com/office/drawing/2010/main" xmlns="" val="0"/>
+                <a14:useLocalDpi xmlns:a14="http://schemas.microsoft.com/office/drawing/2010/main" val="0"/>
               </a:ext>
             </a:extLst>
           </a:blip>
@@ -3270,16 +3253,8 @@
           <a:lstStyle/>
           <a:p>
             <a:r>
-              <a:rPr lang="en-US" altLang="zh-CN" dirty="0" smtClean="0"/>
-              <a:t>CWDM-10G-SFP+ -(</a:t>
-            </a:r>
-            <a:r>
               <a:rPr lang="en-US" altLang="zh-CN" dirty="0"/>
-              <a:t>1470-1610</a:t>
-            </a:r>
-            <a:r>
-              <a:rPr lang="en-US" altLang="zh-CN" dirty="0" smtClean="0"/>
-              <a:t>)</a:t>
+              <a:t>CWDM-10G-SFP+ -(1470-1610)</a:t>
             </a:r>
             <a:endParaRPr lang="zh-CN" altLang="en-US" dirty="0"/>
           </a:p>
@@ -3299,7 +3274,7 @@
           <a:blip r:embed="rId3" cstate="print">
             <a:extLst>
               <a:ext uri="{28A0092B-C50C-407E-A947-70E740481C1C}">
-                <a14:useLocalDpi xmlns:a14="http://schemas.microsoft.com/office/drawing/2010/main" xmlns="" val="0"/>
+                <a14:useLocalDpi xmlns:a14="http://schemas.microsoft.com/office/drawing/2010/main" val="0"/>
               </a:ext>
             </a:extLst>
           </a:blip>
@@ -3474,7 +3449,7 @@
           </a:lstStyle>
           <a:p>
             <a:r>
-              <a:rPr lang="en-US" altLang="zh-CN" dirty="0" smtClean="0"/>
+              <a:rPr lang="en-US" altLang="zh-CN" dirty="0"/>
               <a:t>CWDM-10G-XFP-(1470-1610)</a:t>
             </a:r>
             <a:endParaRPr lang="zh-CN" altLang="en-US" dirty="0"/>
@@ -3493,7 +3468,7 @@
           <a:blip r:embed="rId4" cstate="print">
             <a:extLst>
               <a:ext uri="{28A0092B-C50C-407E-A947-70E740481C1C}">
-                <a14:useLocalDpi xmlns:a14="http://schemas.microsoft.com/office/drawing/2010/main" xmlns="" val="0"/>
+                <a14:useLocalDpi xmlns:a14="http://schemas.microsoft.com/office/drawing/2010/main" val="0"/>
               </a:ext>
             </a:extLst>
           </a:blip>
@@ -3523,7 +3498,7 @@
           <a:blip r:embed="rId5" cstate="print">
             <a:extLst>
               <a:ext uri="{28A0092B-C50C-407E-A947-70E740481C1C}">
-                <a14:useLocalDpi xmlns:a14="http://schemas.microsoft.com/office/drawing/2010/main" xmlns="" val="0"/>
+                <a14:useLocalDpi xmlns:a14="http://schemas.microsoft.com/office/drawing/2010/main" val="0"/>
               </a:ext>
             </a:extLst>
           </a:blip>
@@ -3544,20 +3519,13 @@
     </p:spTree>
     <p:extLst>
       <p:ext uri="{BB962C8B-B14F-4D97-AF65-F5344CB8AC3E}">
-        <p14:creationId xmlns:p14="http://schemas.microsoft.com/office/powerpoint/2010/main" xmlns="" val="692091061"/>
+        <p14:creationId xmlns:p14="http://schemas.microsoft.com/office/powerpoint/2010/main" val="692091061"/>
       </p:ext>
     </p:extLst>
   </p:cSld>
   <p:clrMapOvr>
     <a:masterClrMapping/>
   </p:clrMapOvr>
-  <p:timing>
-    <p:tnLst>
-      <p:par>
-        <p:cTn id="1" dur="indefinite" restart="never" nodeType="tmRoot"/>
-      </p:par>
-    </p:tnLst>
-  </p:timing>
 </p:sld>
 </file>
 
@@ -3599,7 +3567,7 @@
           <a:lstStyle/>
           <a:p>
             <a:r>
-              <a:rPr lang="en-US" altLang="zh-CN" dirty="0" smtClean="0"/>
+              <a:rPr lang="en-US" altLang="zh-CN" dirty="0"/>
               <a:t>SFP-T</a:t>
             </a:r>
             <a:endParaRPr lang="zh-CN" altLang="en-US" dirty="0"/>
@@ -3620,7 +3588,7 @@
           <a:blip r:embed="rId2" cstate="print">
             <a:extLst>
               <a:ext uri="{28A0092B-C50C-407E-A947-70E740481C1C}">
-                <a14:useLocalDpi xmlns:a14="http://schemas.microsoft.com/office/drawing/2010/main" xmlns="" val="0"/>
+                <a14:useLocalDpi xmlns:a14="http://schemas.microsoft.com/office/drawing/2010/main" val="0"/>
               </a:ext>
             </a:extLst>
           </a:blip>
@@ -3656,7 +3624,7 @@
           <a:lstStyle/>
           <a:p>
             <a:r>
-              <a:rPr lang="en-US" altLang="zh-CN" dirty="0" smtClean="0"/>
+              <a:rPr lang="en-US" altLang="zh-CN" dirty="0"/>
               <a:t>GBIC-T</a:t>
             </a:r>
             <a:endParaRPr lang="zh-CN" altLang="en-US" dirty="0"/>
@@ -3677,7 +3645,7 @@
           <a:blip r:embed="rId3" cstate="print">
             <a:extLst>
               <a:ext uri="{28A0092B-C50C-407E-A947-70E740481C1C}">
-                <a14:useLocalDpi xmlns:a14="http://schemas.microsoft.com/office/drawing/2010/main" xmlns="" val="0"/>
+                <a14:useLocalDpi xmlns:a14="http://schemas.microsoft.com/office/drawing/2010/main" val="0"/>
               </a:ext>
             </a:extLst>
           </a:blip>
@@ -3852,7 +3820,7 @@
           </a:lstStyle>
           <a:p>
             <a:r>
-              <a:rPr lang="en-US" altLang="zh-CN" dirty="0" smtClean="0"/>
+              <a:rPr lang="en-US" altLang="zh-CN" dirty="0"/>
               <a:t>                          GBIC</a:t>
             </a:r>
             <a:endParaRPr lang="zh-CN" altLang="en-US" dirty="0"/>
@@ -3871,7 +3839,7 @@
           <a:blip r:embed="rId4" cstate="print">
             <a:extLst>
               <a:ext uri="{28A0092B-C50C-407E-A947-70E740481C1C}">
-                <a14:useLocalDpi xmlns:a14="http://schemas.microsoft.com/office/drawing/2010/main" xmlns="" val="0"/>
+                <a14:useLocalDpi xmlns:a14="http://schemas.microsoft.com/office/drawing/2010/main" val="0"/>
               </a:ext>
             </a:extLst>
           </a:blip>
@@ -3892,20 +3860,13 @@
     </p:spTree>
     <p:extLst>
       <p:ext uri="{BB962C8B-B14F-4D97-AF65-F5344CB8AC3E}">
-        <p14:creationId xmlns:p14="http://schemas.microsoft.com/office/powerpoint/2010/main" xmlns="" val="3693022893"/>
+        <p14:creationId xmlns:p14="http://schemas.microsoft.com/office/powerpoint/2010/main" val="3693022893"/>
       </p:ext>
     </p:extLst>
   </p:cSld>
   <p:clrMapOvr>
     <a:masterClrMapping/>
   </p:clrMapOvr>
-  <p:timing>
-    <p:tnLst>
-      <p:par>
-        <p:cTn id="1" dur="indefinite" restart="never" nodeType="tmRoot"/>
-      </p:par>
-    </p:tnLst>
-  </p:timing>
 </p:sld>
 </file>
 
@@ -3942,10 +3903,9 @@
           <a:lstStyle/>
           <a:p>
             <a:r>
-              <a:rPr lang="zh-CN" altLang="en-US" dirty="0" smtClean="0"/>
+              <a:rPr lang="zh-CN" altLang="en-US" dirty="0"/>
               <a:t>跳线（尾纤）</a:t>
             </a:r>
-            <a:endParaRPr lang="zh-CN" altLang="en-US" dirty="0"/>
           </a:p>
         </p:txBody>
       </p:sp>
@@ -3965,7 +3925,7 @@
           <a:lstStyle/>
           <a:p>
             <a:r>
-              <a:rPr lang="en-US" altLang="zh-CN" dirty="0" smtClean="0"/>
+              <a:rPr lang="en-US" altLang="zh-CN" dirty="0"/>
               <a:t>FC-LC-SM</a:t>
             </a:r>
             <a:endParaRPr lang="zh-CN" altLang="en-US" dirty="0"/>
@@ -3986,7 +3946,7 @@
           <a:blip r:embed="rId2" cstate="print">
             <a:extLst>
               <a:ext uri="{28A0092B-C50C-407E-A947-70E740481C1C}">
-                <a14:useLocalDpi xmlns:a14="http://schemas.microsoft.com/office/drawing/2010/main" xmlns="" val="0"/>
+                <a14:useLocalDpi xmlns:a14="http://schemas.microsoft.com/office/drawing/2010/main" val="0"/>
               </a:ext>
             </a:extLst>
           </a:blip>
@@ -4017,7 +3977,7 @@
           <a:lstStyle/>
           <a:p>
             <a:r>
-              <a:rPr lang="en-US" altLang="zh-CN" dirty="0" smtClean="0"/>
+              <a:rPr lang="en-US" altLang="zh-CN" dirty="0"/>
               <a:t>FC-LC-MM</a:t>
             </a:r>
             <a:endParaRPr lang="zh-CN" altLang="en-US" dirty="0"/>
@@ -4038,7 +3998,7 @@
           <a:blip r:embed="rId3" cstate="print">
             <a:extLst>
               <a:ext uri="{28A0092B-C50C-407E-A947-70E740481C1C}">
-                <a14:useLocalDpi xmlns:a14="http://schemas.microsoft.com/office/drawing/2010/main" xmlns="" val="0"/>
+                <a14:useLocalDpi xmlns:a14="http://schemas.microsoft.com/office/drawing/2010/main" val="0"/>
               </a:ext>
             </a:extLst>
           </a:blip>
@@ -4056,20 +4016,13 @@
     </p:spTree>
     <p:extLst>
       <p:ext uri="{BB962C8B-B14F-4D97-AF65-F5344CB8AC3E}">
-        <p14:creationId xmlns:p14="http://schemas.microsoft.com/office/powerpoint/2010/main" xmlns="" val="1499950347"/>
+        <p14:creationId xmlns:p14="http://schemas.microsoft.com/office/powerpoint/2010/main" val="1499950347"/>
       </p:ext>
     </p:extLst>
   </p:cSld>
   <p:clrMapOvr>
     <a:masterClrMapping/>
   </p:clrMapOvr>
-  <p:timing>
-    <p:tnLst>
-      <p:par>
-        <p:cTn id="1" dur="indefinite" restart="never" nodeType="tmRoot"/>
-      </p:par>
-    </p:tnLst>
-  </p:timing>
 </p:sld>
 </file>
 
@@ -4106,7 +4059,7 @@
           <a:lstStyle/>
           <a:p>
             <a:r>
-              <a:rPr lang="en-US" altLang="zh-CN" dirty="0" smtClean="0"/>
+              <a:rPr lang="en-US" altLang="zh-CN" dirty="0"/>
               <a:t>SC-LC-SM</a:t>
             </a:r>
             <a:endParaRPr lang="zh-CN" altLang="en-US" dirty="0"/>
@@ -4127,7 +4080,7 @@
           <a:blip r:embed="rId2" cstate="print">
             <a:extLst>
               <a:ext uri="{28A0092B-C50C-407E-A947-70E740481C1C}">
-                <a14:useLocalDpi xmlns:a14="http://schemas.microsoft.com/office/drawing/2010/main" xmlns="" val="0"/>
+                <a14:useLocalDpi xmlns:a14="http://schemas.microsoft.com/office/drawing/2010/main" val="0"/>
               </a:ext>
             </a:extLst>
           </a:blip>
@@ -4158,7 +4111,7 @@
           <a:lstStyle/>
           <a:p>
             <a:r>
-              <a:rPr lang="en-US" altLang="zh-CN" dirty="0" smtClean="0"/>
+              <a:rPr lang="en-US" altLang="zh-CN" dirty="0"/>
               <a:t>SC-LC-MM</a:t>
             </a:r>
             <a:endParaRPr lang="zh-CN" altLang="en-US" dirty="0"/>
@@ -4179,7 +4132,7 @@
           <a:blip r:embed="rId3" cstate="print">
             <a:extLst>
               <a:ext uri="{28A0092B-C50C-407E-A947-70E740481C1C}">
-                <a14:useLocalDpi xmlns:a14="http://schemas.microsoft.com/office/drawing/2010/main" xmlns="" val="0"/>
+                <a14:useLocalDpi xmlns:a14="http://schemas.microsoft.com/office/drawing/2010/main" val="0"/>
               </a:ext>
             </a:extLst>
           </a:blip>
@@ -4197,20 +4150,13 @@
     </p:spTree>
     <p:extLst>
       <p:ext uri="{BB962C8B-B14F-4D97-AF65-F5344CB8AC3E}">
-        <p14:creationId xmlns:p14="http://schemas.microsoft.com/office/powerpoint/2010/main" xmlns="" val="3437434911"/>
+        <p14:creationId xmlns:p14="http://schemas.microsoft.com/office/powerpoint/2010/main" val="3437434911"/>
       </p:ext>
     </p:extLst>
   </p:cSld>
   <p:clrMapOvr>
     <a:masterClrMapping/>
   </p:clrMapOvr>
-  <p:timing>
-    <p:tnLst>
-      <p:par>
-        <p:cTn id="1" dur="indefinite" restart="never" nodeType="tmRoot"/>
-      </p:par>
-    </p:tnLst>
-  </p:timing>
 </p:sld>
 </file>
 
@@ -4247,7 +4193,7 @@
           <a:lstStyle/>
           <a:p>
             <a:r>
-              <a:rPr lang="en-US" altLang="zh-CN" dirty="0" smtClean="0"/>
+              <a:rPr lang="en-US" altLang="zh-CN" dirty="0"/>
               <a:t>LC-LC-SM</a:t>
             </a:r>
             <a:endParaRPr lang="zh-CN" altLang="en-US" dirty="0"/>
@@ -4268,7 +4214,7 @@
           <a:blip r:embed="rId2" cstate="print">
             <a:extLst>
               <a:ext uri="{28A0092B-C50C-407E-A947-70E740481C1C}">
-                <a14:useLocalDpi xmlns:a14="http://schemas.microsoft.com/office/drawing/2010/main" xmlns="" val="0"/>
+                <a14:useLocalDpi xmlns:a14="http://schemas.microsoft.com/office/drawing/2010/main" val="0"/>
               </a:ext>
             </a:extLst>
           </a:blip>
@@ -4299,7 +4245,7 @@
           <a:lstStyle/>
           <a:p>
             <a:r>
-              <a:rPr lang="en-US" altLang="zh-CN" dirty="0" smtClean="0"/>
+              <a:rPr lang="en-US" altLang="zh-CN" dirty="0"/>
               <a:t>LC-LC-MM</a:t>
             </a:r>
             <a:endParaRPr lang="zh-CN" altLang="en-US" dirty="0"/>
@@ -4320,7 +4266,7 @@
           <a:blip r:embed="rId3" cstate="print">
             <a:extLst>
               <a:ext uri="{28A0092B-C50C-407E-A947-70E740481C1C}">
-                <a14:useLocalDpi xmlns:a14="http://schemas.microsoft.com/office/drawing/2010/main" xmlns="" val="0"/>
+                <a14:useLocalDpi xmlns:a14="http://schemas.microsoft.com/office/drawing/2010/main" val="0"/>
               </a:ext>
             </a:extLst>
           </a:blip>
@@ -4338,20 +4284,13 @@
     </p:spTree>
     <p:extLst>
       <p:ext uri="{BB962C8B-B14F-4D97-AF65-F5344CB8AC3E}">
-        <p14:creationId xmlns:p14="http://schemas.microsoft.com/office/powerpoint/2010/main" xmlns="" val="447162727"/>
+        <p14:creationId xmlns:p14="http://schemas.microsoft.com/office/powerpoint/2010/main" val="447162727"/>
       </p:ext>
     </p:extLst>
   </p:cSld>
   <p:clrMapOvr>
     <a:masterClrMapping/>
   </p:clrMapOvr>
-  <p:timing>
-    <p:tnLst>
-      <p:par>
-        <p:cTn id="1" dur="indefinite" restart="never" nodeType="tmRoot"/>
-      </p:par>
-    </p:tnLst>
-  </p:timing>
 </p:sld>
 </file>
 
@@ -4388,7 +4327,7 @@
           <a:lstStyle/>
           <a:p>
             <a:r>
-              <a:rPr lang="en-US" altLang="zh-CN" dirty="0" smtClean="0"/>
+              <a:rPr lang="en-US" altLang="zh-CN" dirty="0"/>
               <a:t>FC-SC-SM</a:t>
             </a:r>
             <a:endParaRPr lang="zh-CN" altLang="en-US" dirty="0"/>
@@ -4409,7 +4348,7 @@
           <a:blip r:embed="rId2" cstate="print">
             <a:extLst>
               <a:ext uri="{28A0092B-C50C-407E-A947-70E740481C1C}">
-                <a14:useLocalDpi xmlns:a14="http://schemas.microsoft.com/office/drawing/2010/main" xmlns="" val="0"/>
+                <a14:useLocalDpi xmlns:a14="http://schemas.microsoft.com/office/drawing/2010/main" val="0"/>
               </a:ext>
             </a:extLst>
           </a:blip>
@@ -4440,7 +4379,7 @@
           <a:lstStyle/>
           <a:p>
             <a:r>
-              <a:rPr lang="en-US" altLang="zh-CN" dirty="0" smtClean="0"/>
+              <a:rPr lang="en-US" altLang="zh-CN" dirty="0"/>
               <a:t>FC-SC-MM</a:t>
             </a:r>
             <a:endParaRPr lang="zh-CN" altLang="en-US" dirty="0"/>
@@ -4461,7 +4400,7 @@
           <a:blip r:embed="rId3" cstate="print">
             <a:extLst>
               <a:ext uri="{28A0092B-C50C-407E-A947-70E740481C1C}">
-                <a14:useLocalDpi xmlns:a14="http://schemas.microsoft.com/office/drawing/2010/main" xmlns="" val="0"/>
+                <a14:useLocalDpi xmlns:a14="http://schemas.microsoft.com/office/drawing/2010/main" val="0"/>
               </a:ext>
             </a:extLst>
           </a:blip>
@@ -4479,20 +4418,13 @@
     </p:spTree>
     <p:extLst>
       <p:ext uri="{BB962C8B-B14F-4D97-AF65-F5344CB8AC3E}">
-        <p14:creationId xmlns:p14="http://schemas.microsoft.com/office/powerpoint/2010/main" xmlns="" val="3264061775"/>
+        <p14:creationId xmlns:p14="http://schemas.microsoft.com/office/powerpoint/2010/main" val="3264061775"/>
       </p:ext>
     </p:extLst>
   </p:cSld>
   <p:clrMapOvr>
     <a:masterClrMapping/>
   </p:clrMapOvr>
-  <p:timing>
-    <p:tnLst>
-      <p:par>
-        <p:cTn id="1" dur="indefinite" restart="never" nodeType="tmRoot"/>
-      </p:par>
-    </p:tnLst>
-  </p:timing>
 </p:sld>
 </file>
 
@@ -4529,7 +4461,7 @@
           <a:lstStyle/>
           <a:p>
             <a:r>
-              <a:rPr lang="en-US" altLang="zh-CN" dirty="0" smtClean="0"/>
+              <a:rPr lang="en-US" altLang="zh-CN" dirty="0"/>
               <a:t>FC-FC-SM</a:t>
             </a:r>
             <a:endParaRPr lang="zh-CN" altLang="en-US" dirty="0"/>
@@ -4550,7 +4482,7 @@
           <a:blip r:embed="rId2" cstate="print">
             <a:extLst>
               <a:ext uri="{28A0092B-C50C-407E-A947-70E740481C1C}">
-                <a14:useLocalDpi xmlns:a14="http://schemas.microsoft.com/office/drawing/2010/main" xmlns="" val="0"/>
+                <a14:useLocalDpi xmlns:a14="http://schemas.microsoft.com/office/drawing/2010/main" val="0"/>
               </a:ext>
             </a:extLst>
           </a:blip>
@@ -4581,7 +4513,7 @@
           <a:lstStyle/>
           <a:p>
             <a:r>
-              <a:rPr lang="en-US" altLang="zh-CN" dirty="0" smtClean="0"/>
+              <a:rPr lang="en-US" altLang="zh-CN" dirty="0"/>
               <a:t>FC-FC-MM</a:t>
             </a:r>
             <a:endParaRPr lang="zh-CN" altLang="en-US" dirty="0"/>
@@ -4602,7 +4534,7 @@
           <a:blip r:embed="rId3" cstate="print">
             <a:extLst>
               <a:ext uri="{28A0092B-C50C-407E-A947-70E740481C1C}">
-                <a14:useLocalDpi xmlns:a14="http://schemas.microsoft.com/office/drawing/2010/main" xmlns="" val="0"/>
+                <a14:useLocalDpi xmlns:a14="http://schemas.microsoft.com/office/drawing/2010/main" val="0"/>
               </a:ext>
             </a:extLst>
           </a:blip>
@@ -4620,20 +4552,13 @@
     </p:spTree>
     <p:extLst>
       <p:ext uri="{BB962C8B-B14F-4D97-AF65-F5344CB8AC3E}">
-        <p14:creationId xmlns:p14="http://schemas.microsoft.com/office/powerpoint/2010/main" xmlns="" val="792431026"/>
+        <p14:creationId xmlns:p14="http://schemas.microsoft.com/office/powerpoint/2010/main" val="792431026"/>
       </p:ext>
     </p:extLst>
   </p:cSld>
   <p:clrMapOvr>
     <a:masterClrMapping/>
   </p:clrMapOvr>
-  <p:timing>
-    <p:tnLst>
-      <p:par>
-        <p:cTn id="1" dur="indefinite" restart="never" nodeType="tmRoot"/>
-      </p:par>
-    </p:tnLst>
-  </p:timing>
 </p:sld>
 </file>
 
@@ -4670,7 +4595,7 @@
           <a:lstStyle/>
           <a:p>
             <a:r>
-              <a:rPr lang="en-US" altLang="zh-CN" dirty="0" smtClean="0"/>
+              <a:rPr lang="en-US" altLang="zh-CN" dirty="0"/>
               <a:t>SC-SC-SM</a:t>
             </a:r>
             <a:endParaRPr lang="zh-CN" altLang="en-US" dirty="0"/>
@@ -4691,7 +4616,7 @@
           <a:blip r:embed="rId2" cstate="print">
             <a:extLst>
               <a:ext uri="{28A0092B-C50C-407E-A947-70E740481C1C}">
-                <a14:useLocalDpi xmlns:a14="http://schemas.microsoft.com/office/drawing/2010/main" xmlns="" val="0"/>
+                <a14:useLocalDpi xmlns:a14="http://schemas.microsoft.com/office/drawing/2010/main" val="0"/>
               </a:ext>
             </a:extLst>
           </a:blip>
@@ -4722,7 +4647,7 @@
           <a:lstStyle/>
           <a:p>
             <a:r>
-              <a:rPr lang="en-US" altLang="zh-CN" dirty="0" smtClean="0"/>
+              <a:rPr lang="en-US" altLang="zh-CN" dirty="0"/>
               <a:t>SC-SC-MM</a:t>
             </a:r>
             <a:endParaRPr lang="zh-CN" altLang="en-US" dirty="0"/>
@@ -4743,7 +4668,7 @@
           <a:blip r:embed="rId3" cstate="print">
             <a:extLst>
               <a:ext uri="{28A0092B-C50C-407E-A947-70E740481C1C}">
-                <a14:useLocalDpi xmlns:a14="http://schemas.microsoft.com/office/drawing/2010/main" xmlns="" val="0"/>
+                <a14:useLocalDpi xmlns:a14="http://schemas.microsoft.com/office/drawing/2010/main" val="0"/>
               </a:ext>
             </a:extLst>
           </a:blip>
@@ -4761,20 +4686,13 @@
     </p:spTree>
     <p:extLst>
       <p:ext uri="{BB962C8B-B14F-4D97-AF65-F5344CB8AC3E}">
-        <p14:creationId xmlns:p14="http://schemas.microsoft.com/office/powerpoint/2010/main" xmlns="" val="1398845599"/>
+        <p14:creationId xmlns:p14="http://schemas.microsoft.com/office/powerpoint/2010/main" val="1398845599"/>
       </p:ext>
     </p:extLst>
   </p:cSld>
   <p:clrMapOvr>
     <a:masterClrMapping/>
   </p:clrMapOvr>
-  <p:timing>
-    <p:tnLst>
-      <p:par>
-        <p:cTn id="1" dur="indefinite" restart="never" nodeType="tmRoot"/>
-      </p:par>
-    </p:tnLst>
-  </p:timing>
 </p:sld>
 </file>
 
@@ -4811,7 +4729,7 @@
           <a:lstStyle/>
           <a:p>
             <a:r>
-              <a:rPr lang="en-US" altLang="zh-CN" dirty="0" smtClean="0"/>
+              <a:rPr lang="en-US" altLang="zh-CN" dirty="0"/>
               <a:t>SC/APC-FC-SM</a:t>
             </a:r>
             <a:endParaRPr lang="zh-CN" altLang="en-US" dirty="0"/>
@@ -4832,7 +4750,7 @@
           <a:blip r:embed="rId2" cstate="print">
             <a:extLst>
               <a:ext uri="{28A0092B-C50C-407E-A947-70E740481C1C}">
-                <a14:useLocalDpi xmlns:a14="http://schemas.microsoft.com/office/drawing/2010/main" xmlns="" val="0"/>
+                <a14:useLocalDpi xmlns:a14="http://schemas.microsoft.com/office/drawing/2010/main" val="0"/>
               </a:ext>
             </a:extLst>
           </a:blip>
@@ -4863,7 +4781,7 @@
           <a:lstStyle/>
           <a:p>
             <a:r>
-              <a:rPr lang="en-US" altLang="zh-CN" dirty="0" smtClean="0"/>
+              <a:rPr lang="en-US" altLang="zh-CN" dirty="0"/>
               <a:t>SC/APC-SC/APC-SM</a:t>
             </a:r>
             <a:endParaRPr lang="zh-CN" altLang="en-US" dirty="0"/>
@@ -4884,7 +4802,7 @@
           <a:blip r:embed="rId3" cstate="print">
             <a:extLst>
               <a:ext uri="{28A0092B-C50C-407E-A947-70E740481C1C}">
-                <a14:useLocalDpi xmlns:a14="http://schemas.microsoft.com/office/drawing/2010/main" xmlns="" val="0"/>
+                <a14:useLocalDpi xmlns:a14="http://schemas.microsoft.com/office/drawing/2010/main" val="0"/>
               </a:ext>
             </a:extLst>
           </a:blip>
@@ -4902,20 +4820,13 @@
     </p:spTree>
     <p:extLst>
       <p:ext uri="{BB962C8B-B14F-4D97-AF65-F5344CB8AC3E}">
-        <p14:creationId xmlns:p14="http://schemas.microsoft.com/office/powerpoint/2010/main" xmlns="" val="2240681521"/>
+        <p14:creationId xmlns:p14="http://schemas.microsoft.com/office/powerpoint/2010/main" val="2240681521"/>
       </p:ext>
     </p:extLst>
   </p:cSld>
   <p:clrMapOvr>
     <a:masterClrMapping/>
   </p:clrMapOvr>
-  <p:timing>
-    <p:tnLst>
-      <p:par>
-        <p:cTn id="1" dur="indefinite" restart="never" nodeType="tmRoot"/>
-      </p:par>
-    </p:tnLst>
-  </p:timing>
 </p:sld>
 </file>
 
@@ -4952,7 +4863,7 @@
           <a:lstStyle/>
           <a:p>
             <a:r>
-              <a:rPr lang="en-US" altLang="zh-CN" dirty="0" smtClean="0"/>
+              <a:rPr lang="en-US" altLang="zh-CN" dirty="0"/>
               <a:t>FC/APC-SC/APC-SM</a:t>
             </a:r>
             <a:endParaRPr lang="zh-CN" altLang="en-US" dirty="0"/>
@@ -4973,7 +4884,7 @@
           <a:blip r:embed="rId2" cstate="print">
             <a:extLst>
               <a:ext uri="{28A0092B-C50C-407E-A947-70E740481C1C}">
-                <a14:useLocalDpi xmlns:a14="http://schemas.microsoft.com/office/drawing/2010/main" xmlns="" val="0"/>
+                <a14:useLocalDpi xmlns:a14="http://schemas.microsoft.com/office/drawing/2010/main" val="0"/>
               </a:ext>
             </a:extLst>
           </a:blip>
@@ -5004,7 +4915,7 @@
           <a:lstStyle/>
           <a:p>
             <a:r>
-              <a:rPr lang="en-US" altLang="zh-CN" dirty="0" smtClean="0"/>
+              <a:rPr lang="en-US" altLang="zh-CN" dirty="0"/>
               <a:t>FC/APC-LC-SM</a:t>
             </a:r>
             <a:endParaRPr lang="zh-CN" altLang="en-US" dirty="0"/>
@@ -5025,7 +4936,7 @@
           <a:blip r:embed="rId3" cstate="print">
             <a:extLst>
               <a:ext uri="{28A0092B-C50C-407E-A947-70E740481C1C}">
-                <a14:useLocalDpi xmlns:a14="http://schemas.microsoft.com/office/drawing/2010/main" xmlns="" val="0"/>
+                <a14:useLocalDpi xmlns:a14="http://schemas.microsoft.com/office/drawing/2010/main" val="0"/>
               </a:ext>
             </a:extLst>
           </a:blip>
@@ -5043,20 +4954,13 @@
     </p:spTree>
     <p:extLst>
       <p:ext uri="{BB962C8B-B14F-4D97-AF65-F5344CB8AC3E}">
-        <p14:creationId xmlns:p14="http://schemas.microsoft.com/office/powerpoint/2010/main" xmlns="" val="387692693"/>
+        <p14:creationId xmlns:p14="http://schemas.microsoft.com/office/powerpoint/2010/main" val="387692693"/>
       </p:ext>
     </p:extLst>
   </p:cSld>
   <p:clrMapOvr>
     <a:masterClrMapping/>
   </p:clrMapOvr>
-  <p:timing>
-    <p:tnLst>
-      <p:par>
-        <p:cTn id="1" dur="indefinite" restart="never" nodeType="tmRoot"/>
-      </p:par>
-    </p:tnLst>
-  </p:timing>
 </p:sld>
 </file>
 
@@ -5100,35 +5004,27 @@
           <a:lstStyle/>
           <a:p>
             <a:r>
-              <a:rPr lang="zh-CN" altLang="en-US" sz="1800" dirty="0" smtClean="0"/>
+              <a:rPr lang="zh-CN" altLang="en-US" sz="1800" dirty="0"/>
               <a:t>一</a:t>
             </a:r>
             <a:r>
-              <a:rPr lang="en-US" altLang="zh-CN" sz="1800" dirty="0" smtClean="0"/>
+              <a:rPr lang="en-US" altLang="zh-CN" sz="1800" dirty="0"/>
               <a:t>. </a:t>
             </a:r>
             <a:r>
-              <a:rPr lang="zh-CN" altLang="en-US" sz="1800" dirty="0" smtClean="0"/>
+              <a:rPr lang="zh-CN" altLang="en-US" sz="1800" dirty="0"/>
               <a:t>模块的距离（公里数）一般有以下几种：</a:t>
             </a:r>
-            <a:endParaRPr lang="en-US" altLang="zh-CN" sz="1800" dirty="0" smtClean="0"/>
-          </a:p>
-          <a:p>
-            <a:r>
-              <a:rPr lang="en-US" altLang="zh-CN" sz="1800" dirty="0" smtClean="0">
+            <a:endParaRPr lang="en-US" altLang="zh-CN" sz="1800" dirty="0"/>
+          </a:p>
+          <a:p>
+            <a:r>
+              <a:rPr lang="en-US" altLang="zh-CN" sz="1800" dirty="0">
                 <a:solidFill>
                   <a:srgbClr val="FF0000"/>
                 </a:solidFill>
               </a:rPr>
-              <a:t>300M</a:t>
-            </a:r>
-            <a:r>
-              <a:rPr lang="en-US" altLang="zh-CN" sz="1800" dirty="0">
-                <a:solidFill>
-                  <a:srgbClr val="FF0000"/>
-                </a:solidFill>
-              </a:rPr>
-              <a:t>(</a:t>
+              <a:t>300M(</a:t>
             </a:r>
             <a:r>
               <a:rPr lang="zh-CN" altLang="en-US" sz="1800" dirty="0">
@@ -5139,7 +5035,7 @@
               <a:t>短距</a:t>
             </a:r>
             <a:r>
-              <a:rPr lang="en-US" altLang="zh-CN" sz="1800" dirty="0" smtClean="0">
+              <a:rPr lang="en-US" altLang="zh-CN" sz="1800" dirty="0">
                 <a:solidFill>
                   <a:srgbClr val="FF0000"/>
                 </a:solidFill>
@@ -5147,17 +5043,13 @@
               <a:t>)/500M </a:t>
             </a:r>
             <a:r>
-              <a:rPr lang="en-US" altLang="zh-CN" sz="1800" dirty="0" smtClean="0"/>
-              <a:t>  10KM  </a:t>
-            </a:r>
-            <a:r>
-              <a:rPr lang="en-US" altLang="zh-CN" sz="1800" dirty="0" smtClean="0"/>
-              <a:t>20KM     40KM   60KM    70KM     80KM     100KM     120KM</a:t>
-            </a:r>
-          </a:p>
-          <a:p>
-            <a:r>
-              <a:rPr lang="zh-CN" altLang="en-US" sz="1800" dirty="0" smtClean="0">
+              <a:rPr lang="en-US" altLang="zh-CN" sz="1800" dirty="0"/>
+              <a:t>  10KM  20KM     40KM   60KM    70KM     80KM     100KM     120KM</a:t>
+            </a:r>
+          </a:p>
+          <a:p>
+            <a:r>
+              <a:rPr lang="zh-CN" altLang="en-US" sz="1800" dirty="0">
                 <a:solidFill>
                   <a:srgbClr val="FF0000"/>
                 </a:solidFill>
@@ -5165,7 +5057,7 @@
               <a:t>在</a:t>
             </a:r>
             <a:r>
-              <a:rPr lang="en-US" altLang="zh-CN" sz="1800" dirty="0" smtClean="0">
+              <a:rPr lang="en-US" altLang="zh-CN" sz="1800" dirty="0">
                 <a:solidFill>
                   <a:srgbClr val="FF0000"/>
                 </a:solidFill>
@@ -5173,7 +5065,7 @@
               <a:t>10G</a:t>
             </a:r>
             <a:r>
-              <a:rPr lang="zh-CN" altLang="en-US" sz="1800" dirty="0" smtClean="0">
+              <a:rPr lang="zh-CN" altLang="en-US" sz="1800" dirty="0">
                 <a:solidFill>
                   <a:srgbClr val="FF0000"/>
                 </a:solidFill>
@@ -5181,7 +5073,7 @@
               <a:t>模块中</a:t>
             </a:r>
             <a:r>
-              <a:rPr lang="en-US" altLang="zh-CN" sz="1800" dirty="0" smtClean="0">
+              <a:rPr lang="en-US" altLang="zh-CN" sz="1800" dirty="0">
                 <a:solidFill>
                   <a:srgbClr val="FF0000"/>
                 </a:solidFill>
@@ -5189,7 +5081,7 @@
               <a:t>SR/LR/ER/ZR</a:t>
             </a:r>
             <a:r>
-              <a:rPr lang="zh-CN" altLang="en-US" sz="1800" dirty="0" smtClean="0">
+              <a:rPr lang="zh-CN" altLang="en-US" sz="1800" dirty="0">
                 <a:solidFill>
                   <a:srgbClr val="FF0000"/>
                 </a:solidFill>
@@ -5197,7 +5089,7 @@
               <a:t>分别表示：</a:t>
             </a:r>
             <a:r>
-              <a:rPr lang="en-US" altLang="zh-CN" sz="1800" dirty="0" smtClean="0">
+              <a:rPr lang="en-US" altLang="zh-CN" sz="1800" dirty="0">
                 <a:solidFill>
                   <a:srgbClr val="FF0000"/>
                 </a:solidFill>
@@ -5215,7 +5107,7 @@
               <a:t>在</a:t>
             </a:r>
             <a:r>
-              <a:rPr lang="en-US" altLang="zh-CN" sz="1800" dirty="0" smtClean="0">
+              <a:rPr lang="en-US" altLang="zh-CN" sz="1800" dirty="0">
                 <a:solidFill>
                   <a:srgbClr val="FF0000"/>
                 </a:solidFill>
@@ -5223,31 +5115,15 @@
               <a:t>1.25G</a:t>
             </a:r>
             <a:r>
-              <a:rPr lang="zh-CN" altLang="en-US" sz="1800" dirty="0" smtClean="0">
+              <a:rPr lang="zh-CN" altLang="en-US" sz="1800" dirty="0">
                 <a:solidFill>
                   <a:srgbClr val="FF0000"/>
                 </a:solidFill>
               </a:rPr>
-              <a:t>模</a:t>
-            </a:r>
-            <a:r>
-              <a:rPr lang="zh-CN" altLang="en-US" sz="1800" dirty="0">
-                <a:solidFill>
-                  <a:srgbClr val="FF0000"/>
-                </a:solidFill>
-              </a:rPr>
-              <a:t>块</a:t>
-            </a:r>
-            <a:r>
-              <a:rPr lang="zh-CN" altLang="en-US" sz="1800" dirty="0" smtClean="0">
-                <a:solidFill>
-                  <a:srgbClr val="FF0000"/>
-                </a:solidFill>
-              </a:rPr>
-              <a:t>中</a:t>
-            </a:r>
-            <a:r>
-              <a:rPr lang="en-US" altLang="zh-CN" sz="1800" dirty="0" smtClean="0">
+              <a:t>模块中</a:t>
+            </a:r>
+            <a:r>
+              <a:rPr lang="en-US" altLang="zh-CN" sz="1800" dirty="0">
                 <a:solidFill>
                   <a:srgbClr val="FF0000"/>
                 </a:solidFill>
@@ -5260,18 +5136,10 @@
                   <a:srgbClr val="FF0000"/>
                 </a:solidFill>
               </a:rPr>
-              <a:t>分别表示</a:t>
-            </a:r>
-            <a:r>
-              <a:rPr lang="zh-CN" altLang="en-US" sz="1800" dirty="0" smtClean="0">
-                <a:solidFill>
-                  <a:srgbClr val="FF0000"/>
-                </a:solidFill>
-              </a:rPr>
-              <a:t>：</a:t>
-            </a:r>
-            <a:r>
-              <a:rPr lang="en-US" altLang="zh-CN" sz="1800" dirty="0" smtClean="0">
+              <a:t>分别表示：</a:t>
+            </a:r>
+            <a:r>
+              <a:rPr lang="en-US" altLang="zh-CN" sz="1800" dirty="0">
                 <a:solidFill>
                   <a:srgbClr val="FF0000"/>
                 </a:solidFill>
@@ -5280,7 +5148,7 @@
             </a:r>
           </a:p>
           <a:p>
-            <a:endParaRPr lang="en-US" altLang="zh-CN" sz="1800" dirty="0" smtClean="0">
+            <a:endParaRPr lang="en-US" altLang="zh-CN" sz="1800" dirty="0">
               <a:solidFill>
                 <a:srgbClr val="FF0000"/>
               </a:solidFill>
@@ -5288,605 +5156,528 @@
           </a:p>
           <a:p>
             <a:r>
-              <a:rPr lang="zh-CN" altLang="en-US" sz="1800" dirty="0" smtClean="0"/>
+              <a:rPr lang="zh-CN" altLang="en-US" sz="1800" dirty="0"/>
               <a:t>二</a:t>
             </a:r>
             <a:r>
-              <a:rPr lang="en-US" altLang="zh-CN" sz="1800" dirty="0" smtClean="0"/>
+              <a:rPr lang="en-US" altLang="zh-CN" sz="1800" dirty="0"/>
               <a:t>. </a:t>
             </a:r>
             <a:r>
-              <a:rPr lang="zh-CN" altLang="en-US" sz="1800" dirty="0" smtClean="0"/>
-              <a:t>模块的</a:t>
-            </a:r>
-            <a:r>
-              <a:rPr lang="zh-CN" altLang="en-US" sz="1800" dirty="0" smtClean="0"/>
-              <a:t>波长：</a:t>
-            </a:r>
-            <a:endParaRPr lang="en-US" altLang="zh-CN" sz="1800" dirty="0" smtClean="0"/>
-          </a:p>
-          <a:p>
-            <a:r>
-              <a:rPr lang="en-US" altLang="zh-CN" sz="1800" dirty="0" smtClean="0"/>
+              <a:rPr lang="zh-CN" altLang="en-US" sz="1800" dirty="0"/>
+              <a:t>模块的波长：</a:t>
+            </a:r>
+            <a:endParaRPr lang="en-US" altLang="zh-CN" sz="1800" dirty="0"/>
+          </a:p>
+          <a:p>
+            <a:r>
+              <a:rPr lang="en-US" altLang="zh-CN" sz="1800" dirty="0"/>
               <a:t>1.</a:t>
             </a:r>
             <a:r>
-              <a:rPr lang="zh-CN" altLang="en-US" sz="1800" dirty="0" smtClean="0"/>
+              <a:rPr lang="zh-CN" altLang="en-US" sz="1800" dirty="0"/>
               <a:t>普通模块</a:t>
             </a:r>
-            <a:endParaRPr lang="en-US" altLang="zh-CN" sz="1800" dirty="0" smtClean="0"/>
-          </a:p>
-          <a:p>
-            <a:r>
-              <a:rPr lang="en-US" altLang="zh-CN" sz="1800" dirty="0" smtClean="0"/>
+            <a:endParaRPr lang="en-US" altLang="zh-CN" sz="1800" dirty="0"/>
+          </a:p>
+          <a:p>
+            <a:r>
+              <a:rPr lang="en-US" altLang="zh-CN" sz="1800" dirty="0"/>
               <a:t>    850 1310 1550  </a:t>
             </a:r>
           </a:p>
           <a:p>
             <a:r>
-              <a:rPr lang="en-US" altLang="zh-CN" sz="1800" dirty="0" smtClean="0"/>
+              <a:rPr lang="en-US" altLang="zh-CN" sz="1800" dirty="0"/>
               <a:t>2. </a:t>
             </a:r>
             <a:r>
-              <a:rPr lang="zh-CN" altLang="en-US" sz="1800" dirty="0" smtClean="0"/>
+              <a:rPr lang="zh-CN" altLang="en-US" sz="1800" dirty="0"/>
               <a:t>单芯模块</a:t>
             </a:r>
-            <a:endParaRPr lang="en-US" altLang="zh-CN" sz="1800" dirty="0" smtClean="0"/>
-          </a:p>
-          <a:p>
-            <a:r>
-              <a:rPr lang="en-US" altLang="zh-CN" sz="1800" dirty="0" smtClean="0"/>
+            <a:endParaRPr lang="en-US" altLang="zh-CN" sz="1800" dirty="0"/>
+          </a:p>
+          <a:p>
+            <a:r>
+              <a:rPr lang="en-US" altLang="zh-CN" sz="1800" dirty="0"/>
               <a:t>    1310 1550   1490 1270 1330</a:t>
             </a:r>
           </a:p>
           <a:p>
             <a:r>
-              <a:rPr lang="en-US" altLang="zh-CN" sz="1800" dirty="0" smtClean="0"/>
+              <a:rPr lang="en-US" altLang="zh-CN" sz="1800" dirty="0"/>
               <a:t>3. </a:t>
             </a:r>
             <a:r>
-              <a:rPr lang="zh-CN" altLang="en-US" sz="1800" dirty="0" smtClean="0"/>
-              <a:t>粗波分</a:t>
-            </a:r>
-            <a:r>
-              <a:rPr lang="zh-CN" altLang="en-US" sz="1800" dirty="0" smtClean="0"/>
-              <a:t>模块（</a:t>
-            </a:r>
-            <a:r>
-              <a:rPr lang="en-US" altLang="zh-CN" sz="1800" dirty="0" smtClean="0"/>
+              <a:rPr lang="zh-CN" altLang="en-US" sz="1800" dirty="0"/>
+              <a:t>粗波分模块（</a:t>
+            </a:r>
+            <a:r>
+              <a:rPr lang="en-US" altLang="zh-CN" sz="1800" dirty="0"/>
               <a:t>CWDM)</a:t>
             </a:r>
-            <a:endParaRPr lang="en-US" altLang="zh-CN" sz="1800" dirty="0" smtClean="0"/>
-          </a:p>
-          <a:p>
-            <a:r>
-              <a:rPr lang="en-US" altLang="zh-CN" sz="1800" dirty="0" smtClean="0"/>
+          </a:p>
+          <a:p>
+            <a:r>
+              <a:rPr lang="en-US" altLang="zh-CN" sz="1800" dirty="0"/>
               <a:t>     1470 1490 1510 1530 1550 1570 1590 1610</a:t>
             </a:r>
           </a:p>
           <a:p>
             <a:r>
-              <a:rPr lang="en-US" altLang="zh-CN" sz="1800" dirty="0" smtClean="0"/>
+              <a:rPr lang="en-US" altLang="zh-CN" sz="1800" dirty="0"/>
               <a:t>4. </a:t>
             </a:r>
             <a:r>
-              <a:rPr lang="zh-CN" altLang="en-US" sz="1800" dirty="0" smtClean="0"/>
-              <a:t>密波模</a:t>
-            </a:r>
-            <a:r>
-              <a:rPr lang="zh-CN" altLang="en-US" sz="1800" dirty="0" smtClean="0"/>
-              <a:t>块</a:t>
-            </a:r>
-            <a:r>
-              <a:rPr lang="en-US" altLang="zh-CN" sz="1800" dirty="0" smtClean="0"/>
+              <a:rPr lang="zh-CN" altLang="en-US" sz="1800" dirty="0"/>
+              <a:t>密波模块</a:t>
+            </a:r>
+            <a:r>
+              <a:rPr lang="en-US" altLang="zh-CN" sz="1800" dirty="0"/>
               <a:t>(DWDM)</a:t>
             </a:r>
-            <a:endParaRPr lang="en-US" altLang="zh-CN" sz="1800" dirty="0" smtClean="0"/>
-          </a:p>
-          <a:p>
-            <a:r>
-              <a:rPr lang="en-US" altLang="zh-CN" sz="1800" dirty="0" smtClean="0"/>
-              <a:t>    CH 21 –</a:t>
-            </a:r>
-            <a:r>
-              <a:rPr lang="en-US" altLang="zh-CN" sz="1800" dirty="0" smtClean="0"/>
-              <a:t>CH59</a:t>
-            </a:r>
-          </a:p>
-          <a:p>
-            <a:endParaRPr lang="en-US" altLang="zh-CN" sz="1800" dirty="0" smtClean="0"/>
-          </a:p>
-          <a:p>
-            <a:r>
-              <a:rPr lang="zh-CN" altLang="en-US" sz="1800" dirty="0" smtClean="0"/>
+          </a:p>
+          <a:p>
+            <a:r>
+              <a:rPr lang="en-US" altLang="zh-CN" sz="1800" dirty="0"/>
+              <a:t>    CH 21 –CH59</a:t>
+            </a:r>
+          </a:p>
+          <a:p>
+            <a:endParaRPr lang="en-US" altLang="zh-CN" sz="1800" dirty="0"/>
+          </a:p>
+          <a:p>
+            <a:r>
+              <a:rPr lang="zh-CN" altLang="en-US" sz="1800" dirty="0"/>
               <a:t>三</a:t>
             </a:r>
             <a:r>
-              <a:rPr lang="en-US" altLang="zh-CN" sz="1800" dirty="0" smtClean="0"/>
+              <a:rPr lang="en-US" altLang="zh-CN" sz="1800" dirty="0"/>
               <a:t>. </a:t>
             </a:r>
             <a:r>
-              <a:rPr lang="zh-CN" altLang="en-US" sz="1800" dirty="0" smtClean="0"/>
+              <a:rPr lang="zh-CN" altLang="en-US" sz="1800" dirty="0"/>
               <a:t>模块的灵敏度</a:t>
             </a:r>
-            <a:endParaRPr lang="en-US" altLang="zh-CN" sz="1800" dirty="0" smtClean="0"/>
-          </a:p>
-          <a:p>
-            <a:r>
-              <a:rPr lang="en-US" altLang="zh-CN" sz="1800" dirty="0" smtClean="0"/>
+            <a:endParaRPr lang="en-US" altLang="zh-CN" sz="1800" dirty="0"/>
+          </a:p>
+          <a:p>
+            <a:r>
+              <a:rPr lang="en-US" altLang="zh-CN" sz="1800" dirty="0"/>
               <a:t>            </a:t>
             </a:r>
             <a:r>
-              <a:rPr lang="zh-CN" altLang="en-US" sz="1800" dirty="0" smtClean="0"/>
-              <a:t>距离                      </a:t>
-            </a:r>
-            <a:r>
-              <a:rPr lang="zh-CN" altLang="en-US" sz="1800" dirty="0" smtClean="0"/>
-              <a:t>模块发光值   </a:t>
-            </a:r>
-            <a:r>
-              <a:rPr lang="zh-CN" altLang="en-US" sz="1800" dirty="0" smtClean="0"/>
-              <a:t>灵敏度                使用范围</a:t>
-            </a:r>
-            <a:endParaRPr lang="en-US" altLang="zh-CN" sz="1800" dirty="0" smtClean="0"/>
-          </a:p>
-          <a:p>
-            <a:r>
-              <a:rPr lang="en-US" altLang="zh-CN" sz="1800" dirty="0" smtClean="0"/>
+              <a:rPr lang="zh-CN" altLang="en-US" sz="1800" dirty="0"/>
+              <a:t>距离                      模块发光值   灵敏度                使用范围</a:t>
+            </a:r>
+            <a:endParaRPr lang="en-US" altLang="zh-CN" sz="1800" dirty="0"/>
+          </a:p>
+          <a:p>
+            <a:r>
+              <a:rPr lang="en-US" altLang="zh-CN" sz="1800" dirty="0"/>
               <a:t>    300M</a:t>
             </a:r>
             <a:r>
-              <a:rPr lang="zh-CN" altLang="en-US" sz="1800" dirty="0" smtClean="0"/>
+              <a:rPr lang="zh-CN" altLang="en-US" sz="1800" dirty="0"/>
               <a:t>（或</a:t>
             </a:r>
             <a:r>
-              <a:rPr lang="en-US" altLang="zh-CN" sz="1800" dirty="0" smtClean="0"/>
+              <a:rPr lang="en-US" altLang="zh-CN" sz="1800" dirty="0"/>
               <a:t>500M</a:t>
             </a:r>
             <a:r>
-              <a:rPr lang="zh-CN" altLang="en-US" sz="1800" dirty="0" smtClean="0"/>
-              <a:t>）      </a:t>
-            </a:r>
-            <a:r>
-              <a:rPr lang="zh-CN" altLang="en-US" sz="1800" dirty="0" smtClean="0"/>
+              <a:rPr lang="zh-CN" altLang="en-US" sz="1800" dirty="0"/>
+              <a:t>）      （</a:t>
+            </a:r>
+            <a:r>
+              <a:rPr lang="en-US" altLang="zh-CN" sz="1800" dirty="0"/>
+              <a:t>0</a:t>
+            </a:r>
+            <a:r>
+              <a:rPr lang="zh-CN" altLang="en-US" sz="1800" dirty="0"/>
+              <a:t>，</a:t>
+            </a:r>
+            <a:r>
+              <a:rPr lang="en-US" altLang="zh-CN" sz="1800" dirty="0"/>
+              <a:t>-4</a:t>
+            </a:r>
+            <a:r>
+              <a:rPr lang="zh-CN" altLang="en-US" sz="1800" dirty="0"/>
+              <a:t>）  （</a:t>
+            </a:r>
+            <a:r>
+              <a:rPr lang="en-US" altLang="zh-CN" sz="1800" dirty="0"/>
+              <a:t>-2</a:t>
+            </a:r>
+            <a:r>
+              <a:rPr lang="zh-CN" altLang="en-US" sz="1800" dirty="0"/>
+              <a:t>，</a:t>
+            </a:r>
+            <a:r>
+              <a:rPr lang="en-US" altLang="zh-CN" sz="1800" dirty="0"/>
+              <a:t>-14</a:t>
+            </a:r>
+            <a:r>
+              <a:rPr lang="zh-CN" altLang="en-US" sz="1800" dirty="0"/>
+              <a:t>）       （</a:t>
+            </a:r>
+            <a:r>
+              <a:rPr lang="en-US" altLang="zh-CN" sz="1800" dirty="0"/>
+              <a:t>-2</a:t>
+            </a:r>
+            <a:r>
+              <a:rPr lang="zh-CN" altLang="en-US" sz="1800" dirty="0"/>
+              <a:t>，</a:t>
+            </a:r>
+            <a:r>
+              <a:rPr lang="en-US" altLang="zh-CN" sz="1800" dirty="0"/>
+              <a:t>-8</a:t>
+            </a:r>
+            <a:r>
+              <a:rPr lang="zh-CN" altLang="en-US" sz="1800" dirty="0"/>
+              <a:t>）</a:t>
+            </a:r>
+            <a:endParaRPr lang="en-US" altLang="zh-CN" sz="1800" dirty="0"/>
+          </a:p>
+          <a:p>
+            <a:r>
+              <a:rPr lang="en-US" altLang="zh-CN" sz="1800" dirty="0"/>
+              <a:t>      10KM/20KM/               </a:t>
+            </a:r>
+            <a:r>
+              <a:rPr lang="zh-CN" altLang="en-US" sz="1800" dirty="0"/>
               <a:t>（</a:t>
             </a:r>
             <a:r>
-              <a:rPr lang="en-US" altLang="zh-CN" sz="1800" dirty="0" smtClean="0"/>
+              <a:rPr lang="en-US" altLang="zh-CN" sz="1800" dirty="0"/>
               <a:t>0</a:t>
             </a:r>
             <a:r>
-              <a:rPr lang="zh-CN" altLang="en-US" sz="1800" dirty="0" smtClean="0"/>
+              <a:rPr lang="zh-CN" altLang="en-US" sz="1800" dirty="0"/>
               <a:t>，</a:t>
             </a:r>
             <a:r>
-              <a:rPr lang="en-US" altLang="zh-CN" sz="1800" dirty="0" smtClean="0"/>
+              <a:rPr lang="en-US" altLang="zh-CN" sz="1800" dirty="0"/>
               <a:t>-4</a:t>
             </a:r>
             <a:r>
-              <a:rPr lang="zh-CN" altLang="en-US" sz="1800" dirty="0" smtClean="0"/>
+              <a:rPr lang="zh-CN" altLang="en-US" sz="1800" dirty="0"/>
               <a:t>）</a:t>
             </a:r>
             <a:r>
-              <a:rPr lang="zh-CN" altLang="en-US" sz="1800" dirty="0" smtClean="0"/>
-              <a:t>  （</a:t>
-            </a:r>
-            <a:r>
-              <a:rPr lang="en-US" altLang="zh-CN" sz="1800" dirty="0" smtClean="0"/>
+              <a:rPr lang="en-US" altLang="zh-CN" sz="1800" dirty="0"/>
+              <a:t> </a:t>
+            </a:r>
+            <a:r>
+              <a:rPr lang="zh-CN" altLang="en-US" sz="1800" dirty="0"/>
+              <a:t>（</a:t>
+            </a:r>
+            <a:r>
+              <a:rPr lang="en-US" altLang="zh-CN" sz="1800" dirty="0"/>
               <a:t>-2</a:t>
             </a:r>
             <a:r>
-              <a:rPr lang="zh-CN" altLang="en-US" sz="1800" dirty="0" smtClean="0"/>
+              <a:rPr lang="zh-CN" altLang="en-US" sz="1800" dirty="0"/>
               <a:t>，</a:t>
             </a:r>
             <a:r>
-              <a:rPr lang="en-US" altLang="zh-CN" sz="1800" dirty="0" smtClean="0"/>
-              <a:t>-</a:t>
-            </a:r>
-            <a:r>
-              <a:rPr lang="en-US" altLang="zh-CN" sz="1800" dirty="0" smtClean="0"/>
-              <a:t>14</a:t>
-            </a:r>
-            <a:r>
-              <a:rPr lang="zh-CN" altLang="en-US" sz="1800" dirty="0" smtClean="0"/>
-              <a:t>）       </a:t>
-            </a:r>
-            <a:r>
-              <a:rPr lang="zh-CN" altLang="en-US" sz="1800" dirty="0" smtClean="0"/>
+              <a:rPr lang="en-US" altLang="zh-CN" sz="1800" dirty="0"/>
+              <a:t>-16</a:t>
+            </a:r>
+            <a:r>
+              <a:rPr lang="zh-CN" altLang="en-US" sz="1800" dirty="0"/>
+              <a:t>）        （</a:t>
+            </a:r>
+            <a:r>
+              <a:rPr lang="en-US" altLang="zh-CN" sz="1800" dirty="0"/>
+              <a:t>-2</a:t>
+            </a:r>
+            <a:r>
+              <a:rPr lang="zh-CN" altLang="en-US" sz="1800" dirty="0"/>
+              <a:t>，</a:t>
+            </a:r>
+            <a:r>
+              <a:rPr lang="en-US" altLang="zh-CN" sz="1800" dirty="0"/>
+              <a:t>-13</a:t>
+            </a:r>
+            <a:r>
+              <a:rPr lang="zh-CN" altLang="en-US" sz="1800" dirty="0"/>
+              <a:t>）</a:t>
+            </a:r>
+            <a:endParaRPr lang="en-US" altLang="zh-CN" sz="1800" dirty="0"/>
+          </a:p>
+          <a:p>
+            <a:r>
+              <a:rPr lang="en-US" altLang="zh-CN" sz="1800" dirty="0"/>
+              <a:t>         40KM                          </a:t>
+            </a:r>
+            <a:r>
+              <a:rPr lang="zh-CN" altLang="en-US" sz="1800" dirty="0"/>
               <a:t>（</a:t>
             </a:r>
             <a:r>
-              <a:rPr lang="en-US" altLang="zh-CN" sz="1800" dirty="0" smtClean="0"/>
-              <a:t>-2</a:t>
-            </a:r>
-            <a:r>
-              <a:rPr lang="zh-CN" altLang="en-US" sz="1800" dirty="0" smtClean="0"/>
+              <a:rPr lang="en-US" altLang="zh-CN" sz="1800" dirty="0"/>
+              <a:t>0</a:t>
+            </a:r>
+            <a:r>
+              <a:rPr lang="zh-CN" altLang="en-US" sz="1800" dirty="0"/>
               <a:t>，</a:t>
             </a:r>
             <a:r>
-              <a:rPr lang="en-US" altLang="zh-CN" sz="1800" dirty="0" smtClean="0"/>
-              <a:t>-8</a:t>
-            </a:r>
-            <a:r>
-              <a:rPr lang="zh-CN" altLang="en-US" sz="1800" dirty="0" smtClean="0"/>
+              <a:rPr lang="en-US" altLang="zh-CN" sz="1800" dirty="0"/>
+              <a:t>3</a:t>
+            </a:r>
+            <a:r>
+              <a:rPr lang="zh-CN" altLang="en-US" sz="1800" dirty="0"/>
+              <a:t>）（</a:t>
+            </a:r>
+            <a:r>
+              <a:rPr lang="en-US" altLang="zh-CN" sz="1800" dirty="0"/>
+              <a:t>-1</a:t>
+            </a:r>
+            <a:r>
+              <a:rPr lang="zh-CN" altLang="en-US" sz="1800" dirty="0"/>
+              <a:t>，</a:t>
+            </a:r>
+            <a:r>
+              <a:rPr lang="en-US" altLang="zh-CN" sz="1800" dirty="0"/>
+              <a:t>-16</a:t>
+            </a:r>
+            <a:r>
+              <a:rPr lang="zh-CN" altLang="en-US" sz="1800" dirty="0"/>
+              <a:t>）     </a:t>
+            </a:r>
+            <a:r>
+              <a:rPr lang="en-US" altLang="zh-CN" sz="1800" dirty="0"/>
+              <a:t>  </a:t>
+            </a:r>
+            <a:r>
+              <a:rPr lang="zh-CN" altLang="en-US" sz="1800" dirty="0"/>
+              <a:t>（</a:t>
+            </a:r>
+            <a:r>
+              <a:rPr lang="en-US" altLang="zh-CN" sz="1800" dirty="0"/>
+              <a:t>-3</a:t>
+            </a:r>
+            <a:r>
+              <a:rPr lang="zh-CN" altLang="en-US" sz="1800" dirty="0"/>
+              <a:t>，</a:t>
+            </a:r>
+            <a:r>
+              <a:rPr lang="en-US" altLang="zh-CN" sz="1800" dirty="0"/>
+              <a:t>-13</a:t>
+            </a:r>
+            <a:r>
+              <a:rPr lang="zh-CN" altLang="en-US" sz="1800" dirty="0"/>
               <a:t>）</a:t>
             </a:r>
-            <a:endParaRPr lang="en-US" altLang="zh-CN" sz="1800" dirty="0" smtClean="0"/>
-          </a:p>
-          <a:p>
-            <a:r>
-              <a:rPr lang="en-US" altLang="zh-CN" sz="1800" dirty="0" smtClean="0"/>
-              <a:t>      10KM/20KM/               </a:t>
-            </a:r>
-            <a:r>
-              <a:rPr lang="zh-CN" altLang="en-US" sz="1800" dirty="0" smtClean="0"/>
+            <a:endParaRPr lang="en-US" altLang="zh-CN" sz="1800" dirty="0"/>
+          </a:p>
+          <a:p>
+            <a:r>
+              <a:rPr lang="en-US" altLang="zh-CN" sz="1800" dirty="0"/>
+              <a:t>         60KM                          </a:t>
+            </a:r>
+            <a:r>
+              <a:rPr lang="zh-CN" altLang="en-US" sz="1800" dirty="0"/>
               <a:t>（</a:t>
             </a:r>
             <a:r>
-              <a:rPr lang="en-US" altLang="zh-CN" sz="1800" dirty="0" smtClean="0"/>
-              <a:t>0</a:t>
-            </a:r>
-            <a:r>
-              <a:rPr lang="zh-CN" altLang="en-US" sz="1800" dirty="0" smtClean="0"/>
+              <a:rPr lang="en-US" altLang="zh-CN" sz="1800" dirty="0"/>
+              <a:t>1</a:t>
+            </a:r>
+            <a:r>
+              <a:rPr lang="zh-CN" altLang="en-US" sz="1800" dirty="0"/>
               <a:t>，</a:t>
             </a:r>
             <a:r>
-              <a:rPr lang="en-US" altLang="zh-CN" sz="1800" dirty="0" smtClean="0"/>
-              <a:t>-4</a:t>
-            </a:r>
-            <a:r>
-              <a:rPr lang="zh-CN" altLang="en-US" sz="1800" dirty="0" smtClean="0"/>
+              <a:rPr lang="en-US" altLang="zh-CN" sz="1800" dirty="0"/>
+              <a:t>3</a:t>
+            </a:r>
+            <a:r>
+              <a:rPr lang="zh-CN" altLang="en-US" sz="1800" dirty="0"/>
+              <a:t>）（</a:t>
+            </a:r>
+            <a:r>
+              <a:rPr lang="en-US" altLang="zh-CN" sz="1800" dirty="0"/>
+              <a:t>-1</a:t>
+            </a:r>
+            <a:r>
+              <a:rPr lang="zh-CN" altLang="en-US" sz="1800" dirty="0"/>
+              <a:t>，</a:t>
+            </a:r>
+            <a:r>
+              <a:rPr lang="en-US" altLang="zh-CN" sz="1800" dirty="0"/>
+              <a:t>-24</a:t>
+            </a:r>
+            <a:r>
+              <a:rPr lang="zh-CN" altLang="en-US" sz="1800" dirty="0"/>
+              <a:t>）     </a:t>
+            </a:r>
+            <a:r>
+              <a:rPr lang="en-US" altLang="zh-CN" sz="1800" dirty="0"/>
+              <a:t>  </a:t>
+            </a:r>
+            <a:r>
+              <a:rPr lang="zh-CN" altLang="en-US" sz="1800" dirty="0"/>
+              <a:t> （</a:t>
+            </a:r>
+            <a:r>
+              <a:rPr lang="en-US" altLang="zh-CN" sz="1800" dirty="0"/>
+              <a:t>-3</a:t>
+            </a:r>
+            <a:r>
+              <a:rPr lang="zh-CN" altLang="en-US" sz="1800" dirty="0"/>
+              <a:t>，</a:t>
+            </a:r>
+            <a:r>
+              <a:rPr lang="en-US" altLang="zh-CN" sz="1800" dirty="0"/>
+              <a:t>-18</a:t>
+            </a:r>
+            <a:r>
+              <a:rPr lang="zh-CN" altLang="en-US" sz="1800" dirty="0"/>
               <a:t>）</a:t>
             </a:r>
-            <a:r>
-              <a:rPr lang="en-US" altLang="zh-CN" sz="1800" dirty="0" smtClean="0"/>
-              <a:t> </a:t>
-            </a:r>
-            <a:r>
-              <a:rPr lang="zh-CN" altLang="en-US" sz="1800" dirty="0" smtClean="0"/>
+            <a:endParaRPr lang="en-US" altLang="zh-CN" sz="1800" dirty="0"/>
+          </a:p>
+          <a:p>
+            <a:r>
+              <a:rPr lang="en-US" altLang="zh-CN" sz="1800" dirty="0"/>
+              <a:t>          80KM                        </a:t>
+            </a:r>
+            <a:r>
+              <a:rPr lang="zh-CN" altLang="en-US" sz="1800" dirty="0"/>
               <a:t>（</a:t>
             </a:r>
             <a:r>
-              <a:rPr lang="en-US" altLang="zh-CN" sz="1800" dirty="0" smtClean="0"/>
-              <a:t>-2</a:t>
-            </a:r>
-            <a:r>
-              <a:rPr lang="zh-CN" altLang="en-US" sz="1800" dirty="0" smtClean="0"/>
+              <a:rPr lang="en-US" altLang="zh-CN" sz="1800" dirty="0"/>
+              <a:t>1</a:t>
+            </a:r>
+            <a:r>
+              <a:rPr lang="zh-CN" altLang="en-US" sz="1800" dirty="0"/>
               <a:t>，</a:t>
             </a:r>
             <a:r>
-              <a:rPr lang="en-US" altLang="zh-CN" sz="1800" dirty="0" smtClean="0"/>
-              <a:t>-16</a:t>
-            </a:r>
-            <a:r>
-              <a:rPr lang="zh-CN" altLang="en-US" sz="1800" dirty="0" smtClean="0"/>
-              <a:t>）        </a:t>
-            </a:r>
-            <a:r>
-              <a:rPr lang="zh-CN" altLang="en-US" sz="1800" dirty="0" smtClean="0"/>
+              <a:rPr lang="en-US" altLang="zh-CN" sz="1800" dirty="0"/>
+              <a:t>3</a:t>
+            </a:r>
+            <a:r>
+              <a:rPr lang="zh-CN" altLang="en-US" sz="1800" dirty="0"/>
+              <a:t>）（</a:t>
+            </a:r>
+            <a:r>
+              <a:rPr lang="en-US" altLang="zh-CN" sz="1800" dirty="0"/>
+              <a:t>-5</a:t>
+            </a:r>
+            <a:r>
+              <a:rPr lang="zh-CN" altLang="en-US" sz="1800" dirty="0"/>
+              <a:t>，</a:t>
+            </a:r>
+            <a:r>
+              <a:rPr lang="en-US" altLang="zh-CN" sz="1800" dirty="0"/>
+              <a:t>-26</a:t>
+            </a:r>
+            <a:r>
+              <a:rPr lang="zh-CN" altLang="en-US" sz="1800" dirty="0"/>
+              <a:t>）     </a:t>
+            </a:r>
+            <a:r>
+              <a:rPr lang="en-US" altLang="zh-CN" sz="1800" dirty="0"/>
+              <a:t>  </a:t>
+            </a:r>
+            <a:r>
+              <a:rPr lang="zh-CN" altLang="en-US" sz="1800" dirty="0"/>
+              <a:t> （</a:t>
+            </a:r>
+            <a:r>
+              <a:rPr lang="en-US" altLang="zh-CN" sz="1800" dirty="0"/>
+              <a:t>-7</a:t>
+            </a:r>
+            <a:r>
+              <a:rPr lang="zh-CN" altLang="en-US" sz="1800" dirty="0"/>
+              <a:t>，</a:t>
+            </a:r>
+            <a:r>
+              <a:rPr lang="en-US" altLang="zh-CN" sz="1800" dirty="0"/>
+              <a:t>-22</a:t>
+            </a:r>
+            <a:r>
+              <a:rPr lang="zh-CN" altLang="en-US" sz="1800" dirty="0"/>
+              <a:t>）</a:t>
+            </a:r>
+            <a:endParaRPr lang="en-US" altLang="zh-CN" sz="1800" dirty="0"/>
+          </a:p>
+          <a:p>
+            <a:r>
+              <a:rPr lang="en-US" altLang="zh-CN" sz="1800" dirty="0"/>
+              <a:t>        120KM                         </a:t>
+            </a:r>
+            <a:r>
+              <a:rPr lang="zh-CN" altLang="en-US" sz="1800" dirty="0"/>
               <a:t>（</a:t>
             </a:r>
             <a:r>
-              <a:rPr lang="en-US" altLang="zh-CN" sz="1800" dirty="0" smtClean="0"/>
-              <a:t>-2</a:t>
-            </a:r>
-            <a:r>
-              <a:rPr lang="zh-CN" altLang="en-US" sz="1800" dirty="0" smtClean="0"/>
+              <a:rPr lang="en-US" altLang="zh-CN" sz="1800" dirty="0"/>
+              <a:t>1</a:t>
+            </a:r>
+            <a:r>
+              <a:rPr lang="zh-CN" altLang="en-US" sz="1800" dirty="0"/>
               <a:t>，</a:t>
             </a:r>
             <a:r>
-              <a:rPr lang="en-US" altLang="zh-CN" sz="1800" dirty="0" smtClean="0"/>
-              <a:t>-13</a:t>
-            </a:r>
-            <a:r>
-              <a:rPr lang="zh-CN" altLang="en-US" sz="1800" dirty="0" smtClean="0"/>
+              <a:rPr lang="en-US" altLang="zh-CN" sz="1800" dirty="0"/>
+              <a:t>3</a:t>
+            </a:r>
+            <a:r>
+              <a:rPr lang="zh-CN" altLang="en-US" sz="1800" dirty="0"/>
+              <a:t>）（</a:t>
+            </a:r>
+            <a:r>
+              <a:rPr lang="en-US" altLang="zh-CN" sz="1800" dirty="0"/>
+              <a:t>-5</a:t>
+            </a:r>
+            <a:r>
+              <a:rPr lang="zh-CN" altLang="en-US" sz="1800" dirty="0"/>
+              <a:t>，</a:t>
+            </a:r>
+            <a:r>
+              <a:rPr lang="en-US" altLang="zh-CN" sz="1800" dirty="0"/>
+              <a:t>-35</a:t>
+            </a:r>
+            <a:r>
+              <a:rPr lang="zh-CN" altLang="en-US" sz="1800" dirty="0"/>
+              <a:t>）        （</a:t>
+            </a:r>
+            <a:r>
+              <a:rPr lang="en-US" altLang="zh-CN" sz="1800" dirty="0"/>
+              <a:t>-7</a:t>
+            </a:r>
+            <a:r>
+              <a:rPr lang="zh-CN" altLang="en-US" sz="1800" dirty="0"/>
+              <a:t>，</a:t>
+            </a:r>
+            <a:r>
+              <a:rPr lang="en-US" altLang="zh-CN" sz="1800" dirty="0"/>
+              <a:t>-28</a:t>
+            </a:r>
+            <a:r>
+              <a:rPr lang="zh-CN" altLang="en-US" sz="1800" dirty="0"/>
               <a:t>）</a:t>
             </a:r>
-            <a:endParaRPr lang="en-US" altLang="zh-CN" sz="1800" dirty="0" smtClean="0"/>
-          </a:p>
-          <a:p>
-            <a:r>
-              <a:rPr lang="en-US" altLang="zh-CN" sz="1800" dirty="0" smtClean="0"/>
-              <a:t>         40KM                          </a:t>
-            </a:r>
-            <a:r>
-              <a:rPr lang="zh-CN" altLang="en-US" sz="1800" dirty="0" smtClean="0"/>
-              <a:t>（</a:t>
-            </a:r>
-            <a:r>
-              <a:rPr lang="en-US" altLang="zh-CN" sz="1800" dirty="0" smtClean="0"/>
-              <a:t>0</a:t>
-            </a:r>
-            <a:r>
-              <a:rPr lang="zh-CN" altLang="en-US" sz="1800" dirty="0" smtClean="0"/>
-              <a:t>，</a:t>
-            </a:r>
-            <a:r>
-              <a:rPr lang="en-US" altLang="zh-CN" sz="1800" dirty="0" smtClean="0"/>
-              <a:t>3</a:t>
-            </a:r>
-            <a:r>
-              <a:rPr lang="zh-CN" altLang="en-US" sz="1800" dirty="0" smtClean="0"/>
-              <a:t>）（</a:t>
-            </a:r>
-            <a:r>
-              <a:rPr lang="en-US" altLang="zh-CN" sz="1800" dirty="0" smtClean="0"/>
-              <a:t>-1</a:t>
-            </a:r>
-            <a:r>
-              <a:rPr lang="zh-CN" altLang="en-US" sz="1800" dirty="0" smtClean="0"/>
-              <a:t>，</a:t>
-            </a:r>
-            <a:r>
-              <a:rPr lang="en-US" altLang="zh-CN" sz="1800" dirty="0" smtClean="0"/>
-              <a:t>-16</a:t>
-            </a:r>
-            <a:r>
-              <a:rPr lang="zh-CN" altLang="en-US" sz="1800" dirty="0" smtClean="0"/>
-              <a:t>）     </a:t>
-            </a:r>
-            <a:r>
-              <a:rPr lang="en-US" altLang="zh-CN" sz="1800" dirty="0" smtClean="0"/>
-              <a:t> </a:t>
-            </a:r>
-            <a:r>
-              <a:rPr lang="en-US" altLang="zh-CN" sz="1800" dirty="0" smtClean="0"/>
-              <a:t> </a:t>
-            </a:r>
-            <a:r>
-              <a:rPr lang="zh-CN" altLang="en-US" sz="1800" dirty="0" smtClean="0"/>
-              <a:t>（</a:t>
-            </a:r>
-            <a:r>
-              <a:rPr lang="en-US" altLang="zh-CN" sz="1800" dirty="0" smtClean="0"/>
-              <a:t>-3</a:t>
-            </a:r>
-            <a:r>
-              <a:rPr lang="zh-CN" altLang="en-US" sz="1800" dirty="0" smtClean="0"/>
-              <a:t>，</a:t>
-            </a:r>
-            <a:r>
-              <a:rPr lang="en-US" altLang="zh-CN" sz="1800" dirty="0" smtClean="0"/>
-              <a:t>-13</a:t>
-            </a:r>
-            <a:r>
-              <a:rPr lang="zh-CN" altLang="en-US" sz="1800" dirty="0" smtClean="0"/>
-              <a:t>）</a:t>
-            </a:r>
-            <a:endParaRPr lang="en-US" altLang="zh-CN" sz="1800" dirty="0" smtClean="0"/>
-          </a:p>
-          <a:p>
-            <a:r>
-              <a:rPr lang="en-US" altLang="zh-CN" sz="1800" dirty="0" smtClean="0"/>
-              <a:t>         60KM                          </a:t>
-            </a:r>
-            <a:r>
-              <a:rPr lang="zh-CN" altLang="en-US" sz="1800" dirty="0" smtClean="0"/>
-              <a:t>（</a:t>
-            </a:r>
-            <a:r>
-              <a:rPr lang="en-US" altLang="zh-CN" sz="1800" dirty="0" smtClean="0"/>
-              <a:t>1</a:t>
-            </a:r>
-            <a:r>
-              <a:rPr lang="zh-CN" altLang="en-US" sz="1800" dirty="0" smtClean="0"/>
-              <a:t>，</a:t>
-            </a:r>
-            <a:r>
-              <a:rPr lang="en-US" altLang="zh-CN" sz="1800" dirty="0" smtClean="0"/>
-              <a:t>3</a:t>
-            </a:r>
-            <a:r>
-              <a:rPr lang="zh-CN" altLang="en-US" sz="1800" dirty="0" smtClean="0"/>
-              <a:t>）</a:t>
-            </a:r>
-            <a:r>
-              <a:rPr lang="zh-CN" altLang="en-US" sz="1800" dirty="0" smtClean="0"/>
-              <a:t>（</a:t>
-            </a:r>
-            <a:r>
-              <a:rPr lang="en-US" altLang="zh-CN" sz="1800" dirty="0" smtClean="0"/>
-              <a:t>-1</a:t>
-            </a:r>
-            <a:r>
-              <a:rPr lang="zh-CN" altLang="en-US" sz="1800" dirty="0" smtClean="0"/>
-              <a:t>，</a:t>
-            </a:r>
-            <a:r>
-              <a:rPr lang="en-US" altLang="zh-CN" sz="1800" dirty="0" smtClean="0"/>
-              <a:t>-24</a:t>
-            </a:r>
-            <a:r>
-              <a:rPr lang="zh-CN" altLang="en-US" sz="1800" dirty="0" smtClean="0"/>
-              <a:t>）     </a:t>
-            </a:r>
-            <a:r>
-              <a:rPr lang="en-US" altLang="zh-CN" sz="1800" dirty="0" smtClean="0"/>
-              <a:t>  </a:t>
-            </a:r>
-            <a:r>
-              <a:rPr lang="zh-CN" altLang="en-US" sz="1800" dirty="0" smtClean="0"/>
-              <a:t> </a:t>
-            </a:r>
-            <a:r>
-              <a:rPr lang="zh-CN" altLang="en-US" sz="1800" dirty="0" smtClean="0"/>
-              <a:t>（</a:t>
-            </a:r>
-            <a:r>
-              <a:rPr lang="en-US" altLang="zh-CN" sz="1800" dirty="0" smtClean="0"/>
-              <a:t>-3</a:t>
-            </a:r>
-            <a:r>
-              <a:rPr lang="zh-CN" altLang="en-US" sz="1800" dirty="0" smtClean="0"/>
-              <a:t>，</a:t>
-            </a:r>
-            <a:r>
-              <a:rPr lang="en-US" altLang="zh-CN" sz="1800" dirty="0" smtClean="0"/>
-              <a:t>-18</a:t>
-            </a:r>
-            <a:r>
-              <a:rPr lang="zh-CN" altLang="en-US" sz="1800" dirty="0" smtClean="0"/>
-              <a:t>）</a:t>
-            </a:r>
-            <a:endParaRPr lang="en-US" altLang="zh-CN" sz="1800" dirty="0" smtClean="0"/>
-          </a:p>
-          <a:p>
-            <a:r>
-              <a:rPr lang="en-US" altLang="zh-CN" sz="1800" dirty="0" smtClean="0"/>
-              <a:t>          80KM                        </a:t>
-            </a:r>
-            <a:r>
-              <a:rPr lang="zh-CN" altLang="en-US" sz="1800" dirty="0" smtClean="0"/>
-              <a:t>（</a:t>
-            </a:r>
-            <a:r>
-              <a:rPr lang="en-US" altLang="zh-CN" sz="1800" dirty="0" smtClean="0"/>
-              <a:t>1</a:t>
-            </a:r>
-            <a:r>
-              <a:rPr lang="zh-CN" altLang="en-US" sz="1800" dirty="0" smtClean="0"/>
-              <a:t>，</a:t>
-            </a:r>
-            <a:r>
-              <a:rPr lang="en-US" altLang="zh-CN" sz="1800" dirty="0" smtClean="0"/>
-              <a:t>3</a:t>
-            </a:r>
-            <a:r>
-              <a:rPr lang="zh-CN" altLang="en-US" sz="1800" dirty="0" smtClean="0"/>
-              <a:t>）（</a:t>
-            </a:r>
-            <a:r>
-              <a:rPr lang="en-US" altLang="zh-CN" sz="1800" dirty="0" smtClean="0"/>
-              <a:t>-5</a:t>
-            </a:r>
-            <a:r>
-              <a:rPr lang="zh-CN" altLang="en-US" sz="1800" dirty="0" smtClean="0"/>
-              <a:t>，</a:t>
-            </a:r>
-            <a:r>
-              <a:rPr lang="en-US" altLang="zh-CN" sz="1800" dirty="0" smtClean="0"/>
-              <a:t>-26</a:t>
-            </a:r>
-            <a:r>
-              <a:rPr lang="zh-CN" altLang="en-US" sz="1800" dirty="0" smtClean="0"/>
-              <a:t>）     </a:t>
-            </a:r>
-            <a:r>
-              <a:rPr lang="en-US" altLang="zh-CN" sz="1800" dirty="0" smtClean="0"/>
-              <a:t>  </a:t>
-            </a:r>
-            <a:r>
-              <a:rPr lang="zh-CN" altLang="en-US" sz="1800" dirty="0" smtClean="0"/>
-              <a:t> </a:t>
-            </a:r>
-            <a:r>
-              <a:rPr lang="zh-CN" altLang="en-US" sz="1800" dirty="0" smtClean="0"/>
-              <a:t>（</a:t>
-            </a:r>
-            <a:r>
-              <a:rPr lang="en-US" altLang="zh-CN" sz="1800" dirty="0" smtClean="0"/>
-              <a:t>-7</a:t>
-            </a:r>
-            <a:r>
-              <a:rPr lang="zh-CN" altLang="en-US" sz="1800" dirty="0" smtClean="0"/>
-              <a:t>，</a:t>
-            </a:r>
-            <a:r>
-              <a:rPr lang="en-US" altLang="zh-CN" sz="1800" dirty="0" smtClean="0"/>
-              <a:t>-22</a:t>
-            </a:r>
-            <a:r>
-              <a:rPr lang="zh-CN" altLang="en-US" sz="1800" dirty="0" smtClean="0"/>
-              <a:t>）</a:t>
-            </a:r>
-            <a:endParaRPr lang="en-US" altLang="zh-CN" sz="1800" dirty="0" smtClean="0"/>
-          </a:p>
-          <a:p>
-            <a:r>
-              <a:rPr lang="en-US" altLang="zh-CN" sz="1800" dirty="0" smtClean="0"/>
-              <a:t>        120KM                         </a:t>
-            </a:r>
-            <a:r>
-              <a:rPr lang="zh-CN" altLang="en-US" sz="1800" dirty="0" smtClean="0"/>
-              <a:t>（</a:t>
-            </a:r>
-            <a:r>
-              <a:rPr lang="en-US" altLang="zh-CN" sz="1800" dirty="0" smtClean="0"/>
-              <a:t>1</a:t>
-            </a:r>
-            <a:r>
-              <a:rPr lang="zh-CN" altLang="en-US" sz="1800" dirty="0" smtClean="0"/>
-              <a:t>，</a:t>
-            </a:r>
-            <a:r>
-              <a:rPr lang="en-US" altLang="zh-CN" sz="1800" dirty="0" smtClean="0"/>
-              <a:t>3</a:t>
-            </a:r>
-            <a:r>
-              <a:rPr lang="zh-CN" altLang="en-US" sz="1800" dirty="0" smtClean="0"/>
-              <a:t>）（</a:t>
-            </a:r>
-            <a:r>
-              <a:rPr lang="en-US" altLang="zh-CN" sz="1800" dirty="0" smtClean="0"/>
-              <a:t>-5</a:t>
-            </a:r>
-            <a:r>
-              <a:rPr lang="zh-CN" altLang="en-US" sz="1800" dirty="0" smtClean="0"/>
-              <a:t>，</a:t>
-            </a:r>
-            <a:r>
-              <a:rPr lang="en-US" altLang="zh-CN" sz="1800" dirty="0" smtClean="0"/>
-              <a:t>-35</a:t>
-            </a:r>
-            <a:r>
-              <a:rPr lang="zh-CN" altLang="en-US" sz="1800" dirty="0" smtClean="0"/>
-              <a:t>）     </a:t>
-            </a:r>
-            <a:r>
-              <a:rPr lang="zh-CN" altLang="en-US" sz="1800" dirty="0" smtClean="0"/>
-              <a:t>   </a:t>
-            </a:r>
-            <a:r>
-              <a:rPr lang="zh-CN" altLang="en-US" sz="1800" dirty="0" smtClean="0"/>
-              <a:t>（</a:t>
-            </a:r>
-            <a:r>
-              <a:rPr lang="en-US" altLang="zh-CN" sz="1800" dirty="0" smtClean="0"/>
-              <a:t>-7</a:t>
-            </a:r>
-            <a:r>
-              <a:rPr lang="zh-CN" altLang="en-US" sz="1800" dirty="0" smtClean="0"/>
-              <a:t>，</a:t>
-            </a:r>
-            <a:r>
-              <a:rPr lang="en-US" altLang="zh-CN" sz="1800" dirty="0" smtClean="0"/>
-              <a:t>-28</a:t>
-            </a:r>
-            <a:r>
-              <a:rPr lang="zh-CN" altLang="en-US" sz="1800" dirty="0" smtClean="0"/>
-              <a:t>）</a:t>
-            </a:r>
-            <a:endParaRPr lang="en-US" altLang="zh-CN" sz="1800" dirty="0" smtClean="0"/>
+            <a:endParaRPr lang="en-US" altLang="zh-CN" sz="1800" dirty="0"/>
           </a:p>
         </p:txBody>
       </p:sp>
     </p:spTree>
     <p:extLst>
       <p:ext uri="{BB962C8B-B14F-4D97-AF65-F5344CB8AC3E}">
-        <p14:creationId xmlns:p14="http://schemas.microsoft.com/office/powerpoint/2010/main" xmlns="" val="225164894"/>
+        <p14:creationId xmlns:p14="http://schemas.microsoft.com/office/powerpoint/2010/main" val="225164894"/>
       </p:ext>
     </p:extLst>
   </p:cSld>
   <p:clrMapOvr>
     <a:masterClrMapping/>
   </p:clrMapOvr>
-  <p:timing>
-    <p:tnLst>
-      <p:par>
-        <p:cTn id="1" dur="indefinite" restart="never" nodeType="tmRoot"/>
-      </p:par>
-    </p:tnLst>
-  </p:timing>
 </p:sld>
 </file>
 
@@ -5923,7 +5714,7 @@
           <a:lstStyle/>
           <a:p>
             <a:r>
-              <a:rPr lang="en-US" altLang="zh-CN" dirty="0" smtClean="0"/>
+              <a:rPr lang="en-US" altLang="zh-CN" dirty="0"/>
               <a:t>SC/APC-LC-SM</a:t>
             </a:r>
             <a:endParaRPr lang="zh-CN" altLang="en-US" dirty="0"/>
@@ -5944,7 +5735,7 @@
           <a:blip r:embed="rId2" cstate="print">
             <a:extLst>
               <a:ext uri="{28A0092B-C50C-407E-A947-70E740481C1C}">
-                <a14:useLocalDpi xmlns:a14="http://schemas.microsoft.com/office/drawing/2010/main" xmlns="" val="0"/>
+                <a14:useLocalDpi xmlns:a14="http://schemas.microsoft.com/office/drawing/2010/main" val="0"/>
               </a:ext>
             </a:extLst>
           </a:blip>
@@ -5975,7 +5766,7 @@
           <a:lstStyle/>
           <a:p>
             <a:r>
-              <a:rPr lang="en-US" altLang="zh-CN" dirty="0" smtClean="0"/>
+              <a:rPr lang="en-US" altLang="zh-CN" dirty="0"/>
               <a:t>FC/APC-FC/APC-SM</a:t>
             </a:r>
             <a:endParaRPr lang="zh-CN" altLang="en-US" dirty="0"/>
@@ -5996,7 +5787,7 @@
           <a:blip r:embed="rId3" cstate="print">
             <a:extLst>
               <a:ext uri="{28A0092B-C50C-407E-A947-70E740481C1C}">
-                <a14:useLocalDpi xmlns:a14="http://schemas.microsoft.com/office/drawing/2010/main" xmlns="" val="0"/>
+                <a14:useLocalDpi xmlns:a14="http://schemas.microsoft.com/office/drawing/2010/main" val="0"/>
               </a:ext>
             </a:extLst>
           </a:blip>
@@ -6014,20 +5805,13 @@
     </p:spTree>
     <p:extLst>
       <p:ext uri="{BB962C8B-B14F-4D97-AF65-F5344CB8AC3E}">
-        <p14:creationId xmlns:p14="http://schemas.microsoft.com/office/powerpoint/2010/main" xmlns="" val="1140501510"/>
+        <p14:creationId xmlns:p14="http://schemas.microsoft.com/office/powerpoint/2010/main" val="1140501510"/>
       </p:ext>
     </p:extLst>
   </p:cSld>
   <p:clrMapOvr>
     <a:masterClrMapping/>
   </p:clrMapOvr>
-  <p:timing>
-    <p:tnLst>
-      <p:par>
-        <p:cTn id="1" dur="indefinite" restart="never" nodeType="tmRoot"/>
-      </p:par>
-    </p:tnLst>
-  </p:timing>
 </p:sld>
 </file>
 
@@ -6071,20 +5855,12 @@
           <a:lstStyle/>
           <a:p>
             <a:r>
-              <a:rPr lang="zh-CN" altLang="en-US" sz="1800" b="1" dirty="0" smtClean="0">
+              <a:rPr lang="zh-CN" altLang="en-US" sz="1800" b="1" dirty="0">
                 <a:solidFill>
                   <a:srgbClr val="FF0000"/>
                 </a:solidFill>
               </a:rPr>
-              <a:t>注</a:t>
-            </a:r>
-            <a:r>
-              <a:rPr lang="zh-CN" altLang="en-US" sz="1800" b="1" dirty="0">
-                <a:solidFill>
-                  <a:srgbClr val="FF0000"/>
-                </a:solidFill>
-              </a:rPr>
-              <a:t>：模块的收光范围可以通过专业设备调试，以上只是标准值</a:t>
+              <a:t>注：模块的收光范围可以通过专业设备调试，以上只是标准值</a:t>
             </a:r>
             <a:endParaRPr lang="en-US" altLang="zh-CN" sz="1800" b="1" dirty="0">
               <a:solidFill>
@@ -6093,144 +5869,123 @@
             </a:endParaRPr>
           </a:p>
           <a:p>
-            <a:endParaRPr lang="en-US" altLang="zh-CN" sz="1800" dirty="0" smtClean="0"/>
-          </a:p>
-          <a:p>
-            <a:r>
-              <a:rPr lang="zh-CN" altLang="en-US" sz="1800" dirty="0" smtClean="0"/>
+            <a:endParaRPr lang="en-US" altLang="zh-CN" sz="1800" dirty="0"/>
+          </a:p>
+          <a:p>
+            <a:r>
+              <a:rPr lang="zh-CN" altLang="en-US" sz="1800" dirty="0"/>
               <a:t>四</a:t>
             </a:r>
             <a:r>
-              <a:rPr lang="en-US" altLang="zh-CN" sz="1800" dirty="0" smtClean="0"/>
+              <a:rPr lang="en-US" altLang="zh-CN" sz="1800" dirty="0"/>
               <a:t>. </a:t>
             </a:r>
             <a:r>
-              <a:rPr lang="zh-CN" altLang="en-US" sz="1800" dirty="0" smtClean="0"/>
+              <a:rPr lang="zh-CN" altLang="en-US" sz="1800" dirty="0"/>
               <a:t>模块接口的类型：</a:t>
             </a:r>
-            <a:endParaRPr lang="en-US" altLang="zh-CN" sz="1800" dirty="0" smtClean="0"/>
-          </a:p>
-          <a:p>
-            <a:r>
-              <a:rPr lang="en-US" altLang="zh-CN" sz="1800" dirty="0" smtClean="0"/>
+            <a:endParaRPr lang="en-US" altLang="zh-CN" sz="1800" dirty="0"/>
+          </a:p>
+          <a:p>
+            <a:r>
+              <a:rPr lang="en-US" altLang="zh-CN" sz="1800" dirty="0"/>
               <a:t>  </a:t>
             </a:r>
             <a:r>
-              <a:rPr lang="zh-CN" altLang="en-US" sz="1800" dirty="0" smtClean="0"/>
+              <a:rPr lang="zh-CN" altLang="en-US" sz="1800" dirty="0"/>
               <a:t>思科设备使用的：</a:t>
             </a:r>
             <a:r>
-              <a:rPr lang="en-US" altLang="zh-CN" sz="1800" dirty="0" smtClean="0"/>
+              <a:rPr lang="en-US" altLang="zh-CN" sz="1800" dirty="0"/>
               <a:t>GBIC  XENPAK  X2  </a:t>
             </a:r>
           </a:p>
           <a:p>
             <a:r>
-              <a:rPr lang="en-US" altLang="zh-CN" sz="1800" dirty="0" smtClean="0"/>
+              <a:rPr lang="en-US" altLang="zh-CN" sz="1800" dirty="0"/>
               <a:t>  </a:t>
             </a:r>
             <a:r>
-              <a:rPr lang="zh-CN" altLang="en-US" sz="1800" dirty="0" smtClean="0"/>
+              <a:rPr lang="zh-CN" altLang="en-US" sz="1800" dirty="0"/>
               <a:t>通用：</a:t>
             </a:r>
             <a:r>
-              <a:rPr lang="en-US" altLang="zh-CN" sz="1800" dirty="0" smtClean="0"/>
+              <a:rPr lang="en-US" altLang="zh-CN" sz="1800" dirty="0"/>
               <a:t>XFP  SFP  </a:t>
             </a:r>
             <a:r>
-              <a:rPr lang="en-US" altLang="zh-CN" sz="1800" dirty="0" err="1" smtClean="0"/>
+              <a:rPr lang="en-US" altLang="zh-CN" sz="1800" dirty="0" err="1"/>
               <a:t>SFP</a:t>
             </a:r>
             <a:r>
-              <a:rPr lang="en-US" altLang="zh-CN" sz="1800" dirty="0" smtClean="0"/>
+              <a:rPr lang="en-US" altLang="zh-CN" sz="1800" dirty="0"/>
               <a:t>+</a:t>
             </a:r>
           </a:p>
           <a:p>
             <a:r>
-              <a:rPr lang="zh-CN" altLang="en-US" sz="1800" dirty="0" smtClean="0"/>
+              <a:rPr lang="zh-CN" altLang="en-US" sz="1800" dirty="0"/>
               <a:t>五</a:t>
             </a:r>
             <a:r>
-              <a:rPr lang="en-US" altLang="zh-CN" sz="1800" dirty="0" smtClean="0"/>
+              <a:rPr lang="en-US" altLang="zh-CN" sz="1800" dirty="0"/>
               <a:t>. </a:t>
             </a:r>
             <a:r>
-              <a:rPr lang="zh-CN" altLang="en-US" sz="1800" dirty="0" smtClean="0"/>
+              <a:rPr lang="zh-CN" altLang="en-US" sz="1800" dirty="0"/>
               <a:t>模块的速率</a:t>
             </a:r>
-            <a:endParaRPr lang="en-US" altLang="zh-CN" sz="1800" dirty="0" smtClean="0"/>
-          </a:p>
-          <a:p>
-            <a:r>
-              <a:rPr lang="en-US" altLang="zh-CN" sz="1800" dirty="0" smtClean="0"/>
+            <a:endParaRPr lang="en-US" altLang="zh-CN" sz="1800" dirty="0"/>
+          </a:p>
+          <a:p>
+            <a:r>
+              <a:rPr lang="en-US" altLang="zh-CN" sz="1800" dirty="0"/>
               <a:t>      100M 155M  622M  1.25G  2.5G  10G  40G 100G</a:t>
             </a:r>
+          </a:p>
+          <a:p>
             <a:endParaRPr lang="en-US" altLang="zh-CN" sz="1800" dirty="0"/>
           </a:p>
           <a:p>
-            <a:endParaRPr lang="en-US" altLang="zh-CN" sz="1800" dirty="0" smtClean="0"/>
-          </a:p>
-          <a:p>
-            <a:r>
-              <a:rPr lang="zh-CN" altLang="en-US" sz="1800" dirty="0" smtClean="0"/>
+            <a:r>
+              <a:rPr lang="zh-CN" altLang="en-US" sz="1800" dirty="0"/>
               <a:t>六</a:t>
             </a:r>
             <a:r>
-              <a:rPr lang="en-US" altLang="zh-CN" sz="1800" dirty="0" smtClean="0"/>
+              <a:rPr lang="en-US" altLang="zh-CN" sz="1800" dirty="0"/>
               <a:t>. </a:t>
             </a:r>
             <a:r>
-              <a:rPr lang="zh-CN" altLang="en-US" sz="1800" dirty="0" smtClean="0"/>
+              <a:rPr lang="zh-CN" altLang="en-US" sz="1800" dirty="0"/>
               <a:t>跳线（尾纤）的种类及样式：</a:t>
             </a:r>
-            <a:endParaRPr lang="en-US" altLang="zh-CN" sz="1800" dirty="0" smtClean="0"/>
-          </a:p>
-          <a:p>
-            <a:r>
-              <a:rPr lang="en-US" altLang="zh-CN" sz="1800" dirty="0" smtClean="0"/>
+            <a:endParaRPr lang="en-US" altLang="zh-CN" sz="1800" dirty="0"/>
+          </a:p>
+          <a:p>
+            <a:r>
+              <a:rPr lang="en-US" altLang="zh-CN" sz="1800" dirty="0"/>
               <a:t>1. </a:t>
             </a:r>
             <a:r>
-              <a:rPr lang="zh-CN" altLang="en-US" sz="1800" dirty="0" smtClean="0"/>
-              <a:t>光纤接头</a:t>
-            </a:r>
-            <a:r>
-              <a:rPr lang="zh-CN" altLang="en-US" sz="1800" dirty="0"/>
-              <a:t>  </a:t>
-            </a:r>
-            <a:endParaRPr lang="en-US" altLang="zh-CN" sz="1800" dirty="0" smtClean="0"/>
-          </a:p>
-          <a:p>
-            <a:r>
-              <a:rPr lang="en-US" altLang="zh-CN" sz="1800" dirty="0" smtClean="0"/>
+              <a:rPr lang="zh-CN" altLang="en-US" sz="1800" dirty="0"/>
+              <a:t>光纤接头  </a:t>
+            </a:r>
+            <a:endParaRPr lang="en-US" altLang="zh-CN" sz="1800" dirty="0"/>
+          </a:p>
+          <a:p>
+            <a:r>
+              <a:rPr lang="en-US" altLang="zh-CN" sz="1800" dirty="0"/>
               <a:t>FC</a:t>
             </a:r>
             <a:r>
-              <a:rPr lang="zh-CN" altLang="en-US" sz="1800" dirty="0" smtClean="0"/>
-              <a:t>连接头</a:t>
-            </a:r>
-            <a:r>
-              <a:rPr lang="zh-CN" altLang="en-US" sz="1800" dirty="0" smtClean="0"/>
-              <a:t>一般电信网络采用，有一螺帽拧到适配器上，优点是牢靠、防灰尘，缺点是</a:t>
-            </a:r>
-            <a:r>
-              <a:rPr lang="zh-CN" altLang="en-US" sz="1800" dirty="0" smtClean="0"/>
-              <a:t>安装</a:t>
-            </a:r>
-            <a:r>
-              <a:rPr lang="zh-CN" altLang="en-US" sz="1800" dirty="0" smtClean="0"/>
-              <a:t>时间稍长</a:t>
-            </a:r>
-            <a:r>
-              <a:rPr lang="zh-CN" altLang="en-US" sz="1800" dirty="0" smtClean="0"/>
-              <a:t>。</a:t>
-            </a:r>
-            <a:endParaRPr lang="en-US" altLang="zh-CN" sz="1800" dirty="0" smtClean="0"/>
-          </a:p>
-          <a:p>
-            <a:r>
-              <a:rPr lang="en-US" altLang="zh-CN" sz="1800" dirty="0" smtClean="0"/>
+              <a:rPr lang="zh-CN" altLang="en-US" sz="1800" dirty="0"/>
+              <a:t>连接头一般电信网络采用，有一螺帽拧到适配器上，优点是牢靠、防灰尘，缺点是安装时间稍长。</a:t>
+            </a:r>
+            <a:endParaRPr lang="en-US" altLang="zh-CN" sz="1800" dirty="0"/>
+          </a:p>
+          <a:p>
+            <a:r>
+              <a:rPr lang="en-US" altLang="zh-CN" sz="1800" dirty="0"/>
               <a:t>LC</a:t>
             </a:r>
             <a:r>
@@ -6251,100 +6006,64 @@
             </a:r>
             <a:r>
               <a:rPr lang="zh-CN" altLang="en-US" sz="1800" dirty="0"/>
-              <a:t>接头小</a:t>
-            </a:r>
-            <a:r>
-              <a:rPr lang="zh-CN" altLang="en-US" sz="1800" dirty="0" smtClean="0"/>
-              <a:t>一些，优点是节省空间</a:t>
-            </a:r>
-            <a:endParaRPr lang="en-US" altLang="zh-CN" sz="1800" dirty="0" smtClean="0"/>
-          </a:p>
-          <a:p>
-            <a:r>
-              <a:rPr lang="en-US" altLang="zh-CN" sz="1800" dirty="0" smtClean="0"/>
+              <a:t>接头小一些，优点是节省空间</a:t>
+            </a:r>
+            <a:endParaRPr lang="en-US" altLang="zh-CN" sz="1800" dirty="0"/>
+          </a:p>
+          <a:p>
+            <a:r>
+              <a:rPr lang="en-US" altLang="zh-CN" sz="1800" dirty="0"/>
               <a:t>SC</a:t>
             </a:r>
             <a:r>
-              <a:rPr lang="zh-CN" altLang="en-US" sz="1800" dirty="0" smtClean="0"/>
-              <a:t>连接</a:t>
-            </a:r>
-            <a:r>
-              <a:rPr lang="zh-CN" altLang="en-US" sz="1800" dirty="0" smtClean="0"/>
-              <a:t>头直接插拔，使用很方便，缺点是容易掉</a:t>
-            </a:r>
-            <a:r>
-              <a:rPr lang="zh-CN" altLang="en-US" sz="1800" dirty="0" smtClean="0"/>
-              <a:t>出来</a:t>
-            </a:r>
-            <a:r>
-              <a:rPr lang="en-US" sz="1800" dirty="0" smtClean="0"/>
-              <a:t/>
+              <a:rPr lang="zh-CN" altLang="en-US" sz="1800" dirty="0"/>
+              <a:t>连接头直接插拔，使用很方便，缺点是容易掉出来</a:t>
             </a:r>
             <a:br>
-              <a:rPr lang="en-US" sz="1800" dirty="0" smtClean="0"/>
+              <a:rPr lang="en-US" sz="1800" dirty="0"/>
             </a:br>
             <a:r>
-              <a:rPr lang="en-US" sz="1800" dirty="0" smtClean="0"/>
+              <a:rPr lang="en-US" sz="1800" dirty="0"/>
               <a:t>ST</a:t>
             </a:r>
             <a:r>
-              <a:rPr lang="zh-CN" altLang="en-US" sz="1800" dirty="0" smtClean="0"/>
-              <a:t>头</a:t>
-            </a:r>
-            <a:r>
-              <a:rPr lang="zh-CN" altLang="en-US" sz="1800" dirty="0" smtClean="0"/>
-              <a:t>插入后旋转半周有一卡口固定</a:t>
-            </a:r>
-            <a:r>
-              <a:rPr lang="zh-CN" altLang="en-US" sz="1800" dirty="0" smtClean="0"/>
-              <a:t>，缺点</a:t>
-            </a:r>
-            <a:r>
-              <a:rPr lang="zh-CN" altLang="en-US" sz="1800" dirty="0" smtClean="0"/>
-              <a:t>是容易折</a:t>
+              <a:rPr lang="zh-CN" altLang="en-US" sz="1800" dirty="0"/>
+              <a:t>头插入后旋转半周有一卡口固定，缺点是容易折</a:t>
             </a:r>
           </a:p>
           <a:p>
             <a:pPr>
               <a:buNone/>
             </a:pPr>
-            <a:endParaRPr lang="en-US" altLang="zh-CN" sz="1800" dirty="0" smtClean="0"/>
-          </a:p>
-          <a:p>
-            <a:r>
-              <a:rPr lang="en-US" altLang="zh-CN" sz="1800" dirty="0" smtClean="0"/>
+            <a:endParaRPr lang="en-US" altLang="zh-CN" sz="1800" dirty="0"/>
+          </a:p>
+          <a:p>
+            <a:r>
+              <a:rPr lang="en-US" altLang="zh-CN" sz="1800" dirty="0"/>
               <a:t>UPC </a:t>
             </a:r>
             <a:r>
-              <a:rPr lang="zh-CN" altLang="en-US" sz="1800" dirty="0" smtClean="0"/>
-              <a:t>微球面研磨抛光  </a:t>
-            </a:r>
-            <a:r>
-              <a:rPr lang="zh-CN" altLang="en-US" sz="1800" dirty="0" smtClean="0"/>
-              <a:t>：常用于电信行业</a:t>
-            </a:r>
-            <a:endParaRPr lang="en-US" altLang="zh-CN" sz="1800" dirty="0" smtClean="0"/>
-          </a:p>
-          <a:p>
-            <a:r>
-              <a:rPr lang="en-US" altLang="zh-CN" sz="1800" dirty="0" smtClean="0"/>
+              <a:rPr lang="zh-CN" altLang="en-US" sz="1800" dirty="0"/>
+              <a:t>微球面研磨抛光  ：常用于电信行业</a:t>
+            </a:r>
+            <a:endParaRPr lang="en-US" altLang="zh-CN" sz="1800" dirty="0"/>
+          </a:p>
+          <a:p>
+            <a:r>
+              <a:rPr lang="en-US" altLang="zh-CN" sz="1800" dirty="0"/>
               <a:t>APC </a:t>
             </a:r>
             <a:r>
-              <a:rPr lang="zh-CN" altLang="en-US" sz="1800" dirty="0" smtClean="0"/>
+              <a:rPr lang="zh-CN" altLang="en-US" sz="1800" dirty="0"/>
               <a:t>呈</a:t>
             </a:r>
             <a:r>
-              <a:rPr lang="en-US" altLang="zh-CN" sz="1800" dirty="0" smtClean="0"/>
+              <a:rPr lang="en-US" altLang="zh-CN" sz="1800" dirty="0"/>
               <a:t>8</a:t>
             </a:r>
             <a:r>
-              <a:rPr lang="zh-CN" altLang="en-US" sz="1800" dirty="0" smtClean="0"/>
-              <a:t>度角并做微球面研磨抛光 </a:t>
-            </a:r>
-            <a:r>
-              <a:rPr lang="zh-CN" altLang="en-US" sz="1800" dirty="0" smtClean="0"/>
-              <a:t>：常用于广电等</a:t>
+              <a:rPr lang="zh-CN" altLang="en-US" sz="1800" dirty="0"/>
+              <a:t>度角并做微球面研磨抛光 ：常用于广电等</a:t>
             </a:r>
             <a:endParaRPr lang="en-US" altLang="zh-CN" sz="1800" dirty="0"/>
           </a:p>
@@ -6353,20 +6072,13 @@
     </p:spTree>
     <p:extLst>
       <p:ext uri="{BB962C8B-B14F-4D97-AF65-F5344CB8AC3E}">
-        <p14:creationId xmlns:p14="http://schemas.microsoft.com/office/powerpoint/2010/main" xmlns="" val="1916746459"/>
+        <p14:creationId xmlns:p14="http://schemas.microsoft.com/office/powerpoint/2010/main" val="1916746459"/>
       </p:ext>
     </p:extLst>
   </p:cSld>
   <p:clrMapOvr>
     <a:masterClrMapping/>
   </p:clrMapOvr>
-  <p:timing>
-    <p:tnLst>
-      <p:par>
-        <p:cTn id="1" dur="indefinite" restart="never" nodeType="tmRoot"/>
-      </p:par>
-    </p:tnLst>
-  </p:timing>
 </p:sld>
 </file>
 
@@ -6413,152 +6125,116 @@
           </a:p>
           <a:p>
             <a:r>
-              <a:rPr lang="en-US" altLang="zh-CN" sz="1900" dirty="0" smtClean="0"/>
-              <a:t>2</a:t>
-            </a:r>
-            <a:r>
-              <a:rPr lang="en-US" altLang="zh-CN" sz="1900" dirty="0" smtClean="0"/>
-              <a:t>.</a:t>
+              <a:rPr lang="en-US" altLang="zh-CN" sz="1900" dirty="0"/>
+              <a:t>2.</a:t>
             </a:r>
             <a:r>
               <a:rPr lang="zh-CN" altLang="en-US" sz="1900" dirty="0"/>
-              <a:t> </a:t>
-            </a:r>
-            <a:r>
-              <a:rPr lang="zh-CN" altLang="en-US" sz="1900" dirty="0" smtClean="0"/>
-              <a:t>光纤的种类：</a:t>
-            </a:r>
-            <a:endParaRPr lang="en-US" altLang="zh-CN" sz="1900" dirty="0" smtClean="0"/>
-          </a:p>
-          <a:p>
-            <a:r>
-              <a:rPr lang="zh-CN" altLang="en-US" sz="1900" dirty="0" smtClean="0"/>
-              <a:t>单</a:t>
-            </a:r>
+              <a:t> 光纤的种类：</a:t>
+            </a:r>
+            <a:endParaRPr lang="en-US" altLang="zh-CN" sz="1900" dirty="0"/>
+          </a:p>
+          <a:p>
             <a:r>
               <a:rPr lang="zh-CN" altLang="en-US" sz="1900" dirty="0"/>
-              <a:t>模光</a:t>
-            </a:r>
-            <a:r>
-              <a:rPr lang="zh-CN" altLang="en-US" sz="1900" dirty="0" smtClean="0"/>
-              <a:t>纤（浅黄色）</a:t>
-            </a:r>
-            <a:endParaRPr lang="en-US" altLang="zh-CN" sz="1900" dirty="0" smtClean="0"/>
-          </a:p>
-          <a:p>
-            <a:r>
-              <a:rPr lang="zh-CN" altLang="en-US" sz="1900" dirty="0" smtClean="0"/>
-              <a:t>多</a:t>
-            </a:r>
+              <a:t>单模光纤（浅黄色）</a:t>
+            </a:r>
+            <a:endParaRPr lang="en-US" altLang="zh-CN" sz="1900" dirty="0"/>
+          </a:p>
+          <a:p>
             <a:r>
               <a:rPr lang="zh-CN" altLang="en-US" sz="1900" dirty="0"/>
-              <a:t>模光</a:t>
-            </a:r>
-            <a:r>
-              <a:rPr lang="zh-CN" altLang="en-US" sz="1900" dirty="0" smtClean="0"/>
-              <a:t>纤（橘红色）</a:t>
-            </a:r>
-            <a:endParaRPr lang="en-US" altLang="zh-CN" sz="1900" dirty="0" smtClean="0"/>
-          </a:p>
-          <a:p>
+              <a:t>多模光纤（橘红色）</a:t>
+            </a:r>
             <a:endParaRPr lang="en-US" altLang="zh-CN" sz="1900" dirty="0"/>
           </a:p>
           <a:p>
-            <a:r>
-              <a:rPr lang="en-US" altLang="zh-CN" sz="1900" dirty="0" smtClean="0"/>
-              <a:t>3</a:t>
-            </a:r>
-            <a:r>
-              <a:rPr lang="en-US" altLang="zh-CN" sz="1900" dirty="0" smtClean="0"/>
-              <a:t>. </a:t>
-            </a:r>
-            <a:r>
-              <a:rPr lang="zh-CN" altLang="en-US" sz="1900" dirty="0" smtClean="0"/>
-              <a:t>光缆</a:t>
-            </a:r>
-            <a:r>
-              <a:rPr lang="zh-CN" altLang="en-US" sz="1900" dirty="0" smtClean="0"/>
-              <a:t>的</a:t>
-            </a:r>
-            <a:r>
-              <a:rPr lang="zh-CN" altLang="en-US" sz="1900" dirty="0" smtClean="0"/>
-              <a:t>类型：</a:t>
-            </a:r>
-            <a:endParaRPr lang="en-US" altLang="zh-CN" sz="1900" dirty="0" smtClean="0"/>
+            <a:endParaRPr lang="en-US" altLang="zh-CN" sz="1900" dirty="0"/>
+          </a:p>
+          <a:p>
+            <a:r>
+              <a:rPr lang="en-US" altLang="zh-CN" sz="1900" dirty="0"/>
+              <a:t>3. </a:t>
+            </a:r>
+            <a:r>
+              <a:rPr lang="zh-CN" altLang="en-US" sz="1900" dirty="0"/>
+              <a:t>光缆的类型：</a:t>
+            </a:r>
+            <a:endParaRPr lang="en-US" altLang="zh-CN" sz="1900" dirty="0"/>
           </a:p>
           <a:p>
             <a:pPr marL="0" indent="0">
               <a:buNone/>
             </a:pPr>
             <a:r>
-              <a:rPr lang="en-US" altLang="zh-CN" sz="2000" dirty="0" smtClean="0"/>
+              <a:rPr lang="en-US" altLang="zh-CN" sz="2000" dirty="0"/>
               <a:t>G.655</a:t>
             </a:r>
             <a:r>
-              <a:rPr lang="zh-CN" altLang="en-US" sz="2000" dirty="0" smtClean="0"/>
+              <a:rPr lang="zh-CN" altLang="en-US" sz="2000" dirty="0"/>
               <a:t>光纤：（</a:t>
             </a:r>
             <a:r>
-              <a:rPr lang="en-US" altLang="zh-CN" sz="2000" dirty="0" smtClean="0"/>
+              <a:rPr lang="en-US" altLang="zh-CN" sz="2000" dirty="0"/>
               <a:t>G.653</a:t>
             </a:r>
             <a:r>
-              <a:rPr lang="zh-CN" altLang="en-US" sz="2000" dirty="0" smtClean="0"/>
+              <a:rPr lang="zh-CN" altLang="en-US" sz="2000" dirty="0"/>
               <a:t>光纤改进版）</a:t>
             </a:r>
             <a:br>
-              <a:rPr lang="zh-CN" altLang="en-US" sz="2000" dirty="0" smtClean="0"/>
+              <a:rPr lang="zh-CN" altLang="en-US" sz="2000" dirty="0"/>
             </a:br>
             <a:r>
-              <a:rPr lang="zh-CN" altLang="en-US" sz="2000" dirty="0" smtClean="0"/>
+              <a:rPr lang="zh-CN" altLang="en-US" sz="2000" dirty="0"/>
               <a:t>将零色散点移位到</a:t>
             </a:r>
             <a:r>
-              <a:rPr lang="en-US" altLang="zh-CN" sz="2000" dirty="0" smtClean="0"/>
+              <a:rPr lang="en-US" altLang="zh-CN" sz="2000" dirty="0"/>
               <a:t>1550</a:t>
             </a:r>
             <a:r>
-              <a:rPr lang="zh-CN" altLang="en-US" sz="2000" dirty="0" smtClean="0"/>
+              <a:rPr lang="zh-CN" altLang="en-US" sz="2000" dirty="0"/>
               <a:t>附近，而不是象</a:t>
             </a:r>
             <a:r>
-              <a:rPr lang="en-US" altLang="zh-CN" sz="2000" dirty="0" smtClean="0"/>
+              <a:rPr lang="en-US" altLang="zh-CN" sz="2000" dirty="0"/>
               <a:t>G.653</a:t>
             </a:r>
             <a:r>
-              <a:rPr lang="zh-CN" altLang="en-US" sz="2000" dirty="0" smtClean="0"/>
+              <a:rPr lang="zh-CN" altLang="en-US" sz="2000" dirty="0"/>
               <a:t>一样移位到</a:t>
             </a:r>
             <a:r>
-              <a:rPr lang="en-US" altLang="zh-CN" sz="2000" dirty="0" smtClean="0"/>
+              <a:rPr lang="en-US" altLang="zh-CN" sz="2000" dirty="0"/>
               <a:t>1550</a:t>
             </a:r>
             <a:r>
-              <a:rPr lang="zh-CN" altLang="en-US" sz="2000" dirty="0" smtClean="0"/>
+              <a:rPr lang="zh-CN" altLang="en-US" sz="2000" dirty="0"/>
               <a:t>上，消除了</a:t>
             </a:r>
             <a:r>
-              <a:rPr lang="zh-CN" altLang="en-US" sz="2000" dirty="0" smtClean="0">
+              <a:rPr lang="zh-CN" altLang="en-US" sz="2000" dirty="0">
                 <a:hlinkClick r:id="rId2"/>
               </a:rPr>
               <a:t>四波混频</a:t>
             </a:r>
             <a:r>
-              <a:rPr lang="zh-CN" altLang="en-US" sz="2000" dirty="0" smtClean="0"/>
+              <a:rPr lang="zh-CN" altLang="en-US" sz="2000" dirty="0"/>
               <a:t>，适用于</a:t>
             </a:r>
             <a:r>
-              <a:rPr lang="en-US" altLang="zh-CN" sz="2000" dirty="0" smtClean="0"/>
+              <a:rPr lang="en-US" altLang="zh-CN" sz="2000" dirty="0"/>
               <a:t>WDM</a:t>
             </a:r>
             <a:r>
-              <a:rPr lang="zh-CN" altLang="en-US" sz="2000" dirty="0" smtClean="0"/>
+              <a:rPr lang="zh-CN" altLang="en-US" sz="2000" dirty="0"/>
               <a:t>系统。</a:t>
             </a:r>
             <a:endParaRPr lang="en-US" altLang="zh-CN" sz="1900" dirty="0"/>
           </a:p>
           <a:p>
-            <a:endParaRPr lang="en-US" altLang="zh-CN" sz="1800" dirty="0" smtClean="0">
+            <a:endParaRPr lang="en-US" altLang="zh-CN" sz="1800" dirty="0">
               <a:solidFill>
                 <a:srgbClr val="FF0000"/>
               </a:solidFill>
@@ -6569,47 +6245,43 @@
               <a:buNone/>
             </a:pPr>
             <a:r>
-              <a:rPr lang="en-US" altLang="zh-CN" sz="1800" dirty="0" smtClean="0"/>
+              <a:rPr lang="en-US" altLang="zh-CN" sz="1800" dirty="0"/>
               <a:t>G.652 </a:t>
             </a:r>
             <a:r>
-              <a:rPr lang="zh-CN" altLang="en-US" sz="1800" dirty="0" smtClean="0"/>
-              <a:t>光纤：目前应用</a:t>
-            </a:r>
-            <a:r>
-              <a:rPr lang="zh-CN" altLang="en-US" sz="1800" dirty="0" smtClean="0"/>
-              <a:t>最广泛的光纤，具有</a:t>
-            </a:r>
-            <a:r>
-              <a:rPr lang="en-US" altLang="zh-CN" sz="1800" dirty="0" smtClean="0"/>
+              <a:rPr lang="zh-CN" altLang="en-US" sz="1800" dirty="0"/>
+              <a:t>光纤：目前应用最广泛的光纤，具有</a:t>
+            </a:r>
+            <a:r>
+              <a:rPr lang="en-US" altLang="zh-CN" sz="1800" dirty="0"/>
               <a:t>1310nm</a:t>
             </a:r>
             <a:r>
-              <a:rPr lang="zh-CN" altLang="en-US" sz="1800" dirty="0" smtClean="0"/>
+              <a:rPr lang="zh-CN" altLang="en-US" sz="1800" dirty="0"/>
               <a:t>和</a:t>
             </a:r>
             <a:r>
-              <a:rPr lang="en-US" altLang="zh-CN" sz="1800" dirty="0" smtClean="0"/>
+              <a:rPr lang="en-US" altLang="zh-CN" sz="1800" dirty="0"/>
               <a:t>1550nm</a:t>
             </a:r>
             <a:r>
-              <a:rPr lang="zh-CN" altLang="en-US" sz="1800" dirty="0" smtClean="0"/>
+              <a:rPr lang="zh-CN" altLang="en-US" sz="1800" dirty="0"/>
               <a:t>两个窗口，</a:t>
             </a:r>
             <a:r>
-              <a:rPr lang="en-US" altLang="zh-CN" sz="1800" dirty="0" smtClean="0"/>
+              <a:rPr lang="en-US" altLang="zh-CN" sz="1800" dirty="0"/>
               <a:t>1310nm</a:t>
             </a:r>
             <a:r>
-              <a:rPr lang="zh-CN" altLang="en-US" sz="1800" dirty="0" smtClean="0"/>
+              <a:rPr lang="zh-CN" altLang="en-US" sz="1800" dirty="0"/>
               <a:t>处色散小但衰耗大，</a:t>
             </a:r>
             <a:r>
-              <a:rPr lang="en-US" altLang="zh-CN" sz="1800" dirty="0" smtClean="0"/>
+              <a:rPr lang="en-US" altLang="zh-CN" sz="1800" dirty="0"/>
               <a:t>1550nm</a:t>
             </a:r>
             <a:r>
-              <a:rPr lang="zh-CN" altLang="en-US" sz="1800" dirty="0" smtClean="0"/>
+              <a:rPr lang="zh-CN" altLang="en-US" sz="1800" dirty="0"/>
               <a:t>处衰耗小但色散大。</a:t>
             </a:r>
             <a:endParaRPr lang="zh-CN" altLang="en-US" sz="1800" dirty="0">
@@ -6623,20 +6295,13 @@
     </p:spTree>
     <p:extLst>
       <p:ext uri="{BB962C8B-B14F-4D97-AF65-F5344CB8AC3E}">
-        <p14:creationId xmlns:p14="http://schemas.microsoft.com/office/powerpoint/2010/main" xmlns="" val="3245867759"/>
+        <p14:creationId xmlns:p14="http://schemas.microsoft.com/office/powerpoint/2010/main" val="3245867759"/>
       </p:ext>
     </p:extLst>
   </p:cSld>
   <p:clrMapOvr>
     <a:masterClrMapping/>
   </p:clrMapOvr>
-  <p:timing>
-    <p:tnLst>
-      <p:par>
-        <p:cTn id="1" dur="indefinite" restart="never" nodeType="tmRoot"/>
-      </p:par>
-    </p:tnLst>
-  </p:timing>
 </p:sld>
 </file>
 
@@ -6682,25 +6347,25 @@
             <a:pPr marL="0" indent="0">
               <a:buNone/>
             </a:pPr>
-            <a:endParaRPr lang="en-US" altLang="zh-CN" sz="1800" dirty="0" smtClean="0"/>
-          </a:p>
-          <a:p>
-            <a:r>
-              <a:rPr lang="en-US" altLang="zh-CN" sz="1800" dirty="0" smtClean="0"/>
+            <a:endParaRPr lang="en-US" altLang="zh-CN" sz="1800" dirty="0"/>
+          </a:p>
+          <a:p>
+            <a:r>
+              <a:rPr lang="en-US" altLang="zh-CN" sz="1800" dirty="0"/>
               <a:t>4. </a:t>
             </a:r>
             <a:r>
-              <a:rPr lang="zh-CN" altLang="en-US" sz="1800" dirty="0" smtClean="0"/>
+              <a:rPr lang="zh-CN" altLang="en-US" sz="1800" dirty="0"/>
               <a:t>公司常用跳线种类：</a:t>
             </a:r>
-            <a:endParaRPr lang="en-US" altLang="zh-CN" sz="1800" dirty="0" smtClean="0"/>
+            <a:endParaRPr lang="en-US" altLang="zh-CN" sz="1800" dirty="0"/>
           </a:p>
           <a:p>
             <a:pPr>
               <a:buNone/>
             </a:pPr>
             <a:r>
-              <a:rPr lang="en-US" altLang="zh-CN" sz="1800" dirty="0" smtClean="0"/>
+              <a:rPr lang="en-US" altLang="zh-CN" sz="1800" dirty="0"/>
               <a:t>      SC-LC-SM</a:t>
             </a:r>
           </a:p>
@@ -6709,7 +6374,7 @@
               <a:buNone/>
             </a:pPr>
             <a:r>
-              <a:rPr lang="en-US" altLang="zh-CN" sz="1800" dirty="0" smtClean="0"/>
+              <a:rPr lang="en-US" altLang="zh-CN" sz="1800" dirty="0"/>
               <a:t>     FC-LC-SM</a:t>
             </a:r>
           </a:p>
@@ -6718,17 +6383,16 @@
               <a:buNone/>
             </a:pPr>
             <a:r>
-              <a:rPr lang="en-US" altLang="zh-CN" sz="1800" dirty="0" smtClean="0"/>
+              <a:rPr lang="en-US" altLang="zh-CN" sz="1800" dirty="0"/>
               <a:t>     FC-FC-SM</a:t>
             </a:r>
-            <a:endParaRPr lang="en-US" altLang="zh-CN" sz="1800" dirty="0" smtClean="0"/>
           </a:p>
           <a:p>
             <a:pPr>
               <a:buNone/>
             </a:pPr>
             <a:r>
-              <a:rPr lang="en-US" altLang="zh-CN" sz="1800" dirty="0" smtClean="0"/>
+              <a:rPr lang="en-US" altLang="zh-CN" sz="1800" dirty="0"/>
               <a:t>     LC-LC-SM</a:t>
             </a:r>
           </a:p>
@@ -6737,248 +6401,233 @@
               <a:buNone/>
             </a:pPr>
             <a:r>
-              <a:rPr lang="en-US" altLang="zh-CN" sz="1800" dirty="0" smtClean="0"/>
+              <a:rPr lang="en-US" altLang="zh-CN" sz="1800" dirty="0"/>
               <a:t>     LC-LC-MM</a:t>
             </a:r>
           </a:p>
           <a:p>
             <a:r>
-              <a:rPr lang="en-US" altLang="zh-CN" sz="1800" dirty="0" smtClean="0"/>
+              <a:rPr lang="en-US" altLang="zh-CN" sz="1800" dirty="0"/>
               <a:t>5. A</a:t>
             </a:r>
             <a:r>
-              <a:rPr lang="zh-CN" altLang="en-US" sz="1800" dirty="0" smtClean="0"/>
+              <a:rPr lang="zh-CN" altLang="en-US" sz="1800" dirty="0"/>
               <a:t>、</a:t>
             </a:r>
             <a:r>
-              <a:rPr lang="en-US" altLang="zh-CN" sz="1800" dirty="0" smtClean="0"/>
+              <a:rPr lang="en-US" altLang="zh-CN" sz="1800" dirty="0"/>
               <a:t>B</a:t>
             </a:r>
             <a:r>
-              <a:rPr lang="zh-CN" altLang="en-US" sz="1800" dirty="0" smtClean="0"/>
+              <a:rPr lang="zh-CN" altLang="en-US" sz="1800" dirty="0"/>
               <a:t>互联之间丢包，可能存在的原因：</a:t>
             </a:r>
-            <a:endParaRPr lang="en-US" altLang="zh-CN" sz="1800" dirty="0" smtClean="0"/>
-          </a:p>
-          <a:p>
-            <a:r>
-              <a:rPr lang="zh-CN" altLang="en-US" sz="1800" dirty="0" smtClean="0"/>
+            <a:endParaRPr lang="en-US" altLang="zh-CN" sz="1800" dirty="0"/>
+          </a:p>
+          <a:p>
+            <a:r>
+              <a:rPr lang="zh-CN" altLang="en-US" sz="1800" dirty="0"/>
               <a:t>光缆衰减大、跳线故障、光缆跳接点故障、模块故障、设备故障、流量超限</a:t>
             </a:r>
-            <a:endParaRPr lang="en-US" altLang="zh-CN" sz="1800" dirty="0" smtClean="0"/>
-          </a:p>
-          <a:p>
-            <a:endParaRPr lang="en-US" altLang="zh-CN" sz="1800" dirty="0" smtClean="0"/>
-          </a:p>
-          <a:p>
-            <a:r>
-              <a:rPr lang="en-US" altLang="zh-CN" sz="1800" dirty="0" smtClean="0"/>
+            <a:endParaRPr lang="en-US" altLang="zh-CN" sz="1800" dirty="0"/>
+          </a:p>
+          <a:p>
+            <a:endParaRPr lang="en-US" altLang="zh-CN" sz="1800" dirty="0"/>
+          </a:p>
+          <a:p>
+            <a:r>
+              <a:rPr lang="en-US" altLang="zh-CN" sz="1800" dirty="0"/>
               <a:t>6. </a:t>
             </a:r>
             <a:r>
-              <a:rPr lang="zh-CN" altLang="en-US" sz="1800" dirty="0" smtClean="0"/>
+              <a:rPr lang="zh-CN" altLang="en-US" sz="1800" dirty="0"/>
               <a:t>问题讨论：</a:t>
             </a:r>
-            <a:endParaRPr lang="en-US" altLang="zh-CN" sz="1800" dirty="0" smtClean="0"/>
-          </a:p>
-          <a:p>
-            <a:r>
-              <a:rPr lang="zh-CN" altLang="en-US" sz="1800" dirty="0" smtClean="0"/>
+            <a:endParaRPr lang="en-US" altLang="zh-CN" sz="1800" dirty="0"/>
+          </a:p>
+          <a:p>
+            <a:r>
+              <a:rPr lang="zh-CN" altLang="en-US" sz="1800" dirty="0"/>
               <a:t>（</a:t>
             </a:r>
             <a:r>
-              <a:rPr lang="en-US" altLang="zh-CN" sz="1800" dirty="0" smtClean="0"/>
+              <a:rPr lang="en-US" altLang="zh-CN" sz="1800" dirty="0"/>
               <a:t>1</a:t>
             </a:r>
             <a:r>
-              <a:rPr lang="zh-CN" altLang="en-US" sz="1800" dirty="0" smtClean="0"/>
+              <a:rPr lang="zh-CN" altLang="en-US" sz="1800" dirty="0"/>
               <a:t>）</a:t>
             </a:r>
             <a:r>
-              <a:rPr lang="en-US" altLang="zh-CN" sz="1800" dirty="0" smtClean="0"/>
+              <a:rPr lang="en-US" altLang="zh-CN" sz="1800" dirty="0"/>
               <a:t>A</a:t>
             </a:r>
             <a:r>
-              <a:rPr lang="zh-CN" altLang="en-US" sz="1800" dirty="0" smtClean="0"/>
+              <a:rPr lang="zh-CN" altLang="en-US" sz="1800" dirty="0"/>
               <a:t>、</a:t>
             </a:r>
             <a:r>
-              <a:rPr lang="en-US" altLang="zh-CN" sz="1800" dirty="0" smtClean="0"/>
+              <a:rPr lang="en-US" altLang="zh-CN" sz="1800" dirty="0"/>
               <a:t>B</a:t>
             </a:r>
             <a:r>
-              <a:rPr lang="zh-CN" altLang="en-US" sz="1800" dirty="0" smtClean="0"/>
+              <a:rPr lang="zh-CN" altLang="en-US" sz="1800" dirty="0"/>
               <a:t>之间有</a:t>
             </a:r>
             <a:r>
-              <a:rPr lang="en-US" altLang="zh-CN" sz="1800" dirty="0" smtClean="0"/>
+              <a:rPr lang="en-US" altLang="zh-CN" sz="1800" dirty="0"/>
               <a:t>2</a:t>
             </a:r>
             <a:r>
-              <a:rPr lang="zh-CN" altLang="en-US" sz="1800" dirty="0" smtClean="0"/>
+              <a:rPr lang="zh-CN" altLang="en-US" sz="1800" dirty="0"/>
               <a:t>芯光缆，全长</a:t>
             </a:r>
             <a:r>
-              <a:rPr lang="en-US" altLang="zh-CN" sz="1800" dirty="0" smtClean="0"/>
+              <a:rPr lang="en-US" altLang="zh-CN" sz="1800" dirty="0"/>
               <a:t>25KM</a:t>
             </a:r>
             <a:r>
-              <a:rPr lang="zh-CN" altLang="en-US" sz="1800" dirty="0" smtClean="0"/>
+              <a:rPr lang="zh-CN" altLang="en-US" sz="1800" dirty="0"/>
               <a:t>，衰减正常，</a:t>
             </a:r>
             <a:r>
-              <a:rPr lang="en-US" altLang="zh-CN" sz="1800" dirty="0" smtClean="0"/>
+              <a:rPr lang="en-US" altLang="zh-CN" sz="1800" dirty="0"/>
               <a:t>A</a:t>
             </a:r>
             <a:r>
-              <a:rPr lang="zh-CN" altLang="en-US" sz="1800" dirty="0" smtClean="0"/>
+              <a:rPr lang="zh-CN" altLang="en-US" sz="1800" dirty="0"/>
+              <a:t>端使用双芯千兆</a:t>
+            </a:r>
+            <a:r>
+              <a:rPr lang="en-US" altLang="zh-CN" sz="1800" dirty="0"/>
+              <a:t>1310 40KM</a:t>
+            </a:r>
+            <a:r>
+              <a:rPr lang="zh-CN" altLang="en-US" sz="1800" dirty="0"/>
+              <a:t>模块，</a:t>
+            </a:r>
+            <a:r>
+              <a:rPr lang="en-US" altLang="zh-CN" sz="1800" dirty="0"/>
+              <a:t>B</a:t>
+            </a:r>
+            <a:r>
+              <a:rPr lang="zh-CN" altLang="en-US" sz="1800" dirty="0"/>
+              <a:t>端使用双芯千兆</a:t>
+            </a:r>
+            <a:r>
+              <a:rPr lang="en-US" altLang="zh-CN" sz="1800" dirty="0"/>
+              <a:t>1550 70KM </a:t>
+            </a:r>
+            <a:r>
+              <a:rPr lang="zh-CN" altLang="en-US" sz="1800" dirty="0"/>
+              <a:t>模块，可以正常通信吗？</a:t>
+            </a:r>
+            <a:endParaRPr lang="en-US" altLang="zh-CN" sz="1800" dirty="0"/>
+          </a:p>
+          <a:p>
+            <a:r>
+              <a:rPr lang="zh-CN" altLang="en-US" sz="1800" dirty="0"/>
+              <a:t>（</a:t>
+            </a:r>
+            <a:r>
+              <a:rPr lang="en-US" altLang="zh-CN" sz="1800" dirty="0"/>
+              <a:t>2</a:t>
+            </a:r>
+            <a:r>
+              <a:rPr lang="zh-CN" altLang="en-US" sz="1800" dirty="0"/>
+              <a:t>）</a:t>
+            </a:r>
+            <a:r>
+              <a:rPr lang="en-US" altLang="zh-CN" sz="1800" dirty="0"/>
+              <a:t>A</a:t>
+            </a:r>
+            <a:r>
+              <a:rPr lang="zh-CN" altLang="en-US" sz="1800" dirty="0"/>
+              <a:t>、</a:t>
+            </a:r>
+            <a:r>
+              <a:rPr lang="en-US" altLang="zh-CN" sz="1800" dirty="0"/>
+              <a:t>B</a:t>
+            </a:r>
+            <a:r>
+              <a:rPr lang="zh-CN" altLang="en-US" sz="1800" dirty="0"/>
+              <a:t>之间有</a:t>
+            </a:r>
+            <a:r>
+              <a:rPr lang="en-US" altLang="zh-CN" sz="1800" dirty="0"/>
+              <a:t>2</a:t>
+            </a:r>
+            <a:r>
+              <a:rPr lang="zh-CN" altLang="en-US" sz="1800" dirty="0"/>
+              <a:t>芯光缆，全长</a:t>
+            </a:r>
+            <a:r>
+              <a:rPr lang="en-US" altLang="zh-CN" sz="1800" dirty="0"/>
+              <a:t>40KM</a:t>
+            </a:r>
+            <a:r>
+              <a:rPr lang="zh-CN" altLang="en-US" sz="1800" dirty="0"/>
+              <a:t>，衰减正常，</a:t>
+            </a:r>
+            <a:r>
+              <a:rPr lang="en-US" altLang="zh-CN" sz="1800" dirty="0"/>
+              <a:t>A</a:t>
+            </a:r>
+            <a:r>
+              <a:rPr lang="zh-CN" altLang="en-US" sz="1800" dirty="0"/>
               <a:t>端使用</a:t>
             </a:r>
-            <a:r>
-              <a:rPr lang="zh-CN" altLang="en-US" sz="1800" dirty="0" smtClean="0"/>
-              <a:t>双芯千兆</a:t>
-            </a:r>
-            <a:r>
-              <a:rPr lang="en-US" altLang="zh-CN" sz="1800" dirty="0" smtClean="0"/>
-              <a:t>1310 40KM</a:t>
-            </a:r>
-            <a:r>
-              <a:rPr lang="zh-CN" altLang="en-US" sz="1800" dirty="0" smtClean="0"/>
+            <a:endParaRPr lang="en-US" altLang="zh-CN" sz="1800" dirty="0"/>
+          </a:p>
+          <a:p>
+            <a:pPr>
+              <a:buNone/>
+            </a:pPr>
+            <a:r>
+              <a:rPr lang="zh-CN" altLang="en-US" sz="1800" dirty="0"/>
+              <a:t>             </a:t>
+            </a:r>
+            <a:r>
+              <a:rPr lang="en-US" altLang="zh-CN" sz="1800" dirty="0"/>
+              <a:t>  CWDM-10G-1550-80KM </a:t>
+            </a:r>
+            <a:r>
+              <a:rPr lang="zh-CN" altLang="en-US" sz="1800" dirty="0"/>
               <a:t>模块，</a:t>
             </a:r>
             <a:r>
-              <a:rPr lang="en-US" altLang="zh-CN" sz="1800" dirty="0" smtClean="0"/>
+              <a:rPr lang="en-US" altLang="zh-CN" sz="1800" dirty="0"/>
               <a:t>B</a:t>
             </a:r>
             <a:r>
-              <a:rPr lang="zh-CN" altLang="en-US" sz="1800" smtClean="0"/>
-              <a:t>端使用双芯千兆</a:t>
-            </a:r>
-            <a:r>
-              <a:rPr lang="en-US" altLang="zh-CN" sz="1800" smtClean="0"/>
-              <a:t>1550 </a:t>
-            </a:r>
-            <a:r>
-              <a:rPr lang="en-US" altLang="zh-CN" sz="1800" dirty="0" smtClean="0"/>
-              <a:t>70KM </a:t>
-            </a:r>
-            <a:r>
-              <a:rPr lang="zh-CN" altLang="en-US" sz="1800" dirty="0" smtClean="0"/>
-              <a:t>模块，可以正常通信吗？</a:t>
-            </a:r>
-            <a:endParaRPr lang="en-US" altLang="zh-CN" sz="1800" dirty="0" smtClean="0"/>
-          </a:p>
-          <a:p>
-            <a:r>
-              <a:rPr lang="zh-CN" altLang="en-US" sz="1800" dirty="0" smtClean="0"/>
-              <a:t>（</a:t>
-            </a:r>
-            <a:r>
-              <a:rPr lang="en-US" altLang="zh-CN" sz="1800" dirty="0" smtClean="0"/>
-              <a:t>2</a:t>
-            </a:r>
-            <a:r>
-              <a:rPr lang="zh-CN" altLang="en-US" sz="1800" dirty="0" smtClean="0"/>
-              <a:t>）</a:t>
-            </a:r>
-            <a:r>
-              <a:rPr lang="en-US" altLang="zh-CN" sz="1800" dirty="0" smtClean="0"/>
-              <a:t>A</a:t>
-            </a:r>
-            <a:r>
-              <a:rPr lang="zh-CN" altLang="en-US" sz="1800" dirty="0" smtClean="0"/>
-              <a:t>、</a:t>
-            </a:r>
-            <a:r>
-              <a:rPr lang="en-US" altLang="zh-CN" sz="1800" dirty="0" smtClean="0"/>
-              <a:t>B</a:t>
-            </a:r>
-            <a:r>
-              <a:rPr lang="zh-CN" altLang="en-US" sz="1800" dirty="0" smtClean="0"/>
-              <a:t>之间有</a:t>
-            </a:r>
-            <a:r>
-              <a:rPr lang="en-US" altLang="zh-CN" sz="1800" dirty="0" smtClean="0"/>
-              <a:t>2</a:t>
-            </a:r>
-            <a:r>
-              <a:rPr lang="zh-CN" altLang="en-US" sz="1800" dirty="0" smtClean="0"/>
-              <a:t>芯光缆，全长</a:t>
-            </a:r>
-            <a:r>
-              <a:rPr lang="en-US" altLang="zh-CN" sz="1800" dirty="0" smtClean="0"/>
-              <a:t>40KM</a:t>
-            </a:r>
-            <a:r>
-              <a:rPr lang="zh-CN" altLang="en-US" sz="1800" dirty="0" smtClean="0"/>
-              <a:t>，衰减正常，</a:t>
-            </a:r>
-            <a:r>
-              <a:rPr lang="en-US" altLang="zh-CN" sz="1800" dirty="0" smtClean="0"/>
-              <a:t>A</a:t>
-            </a:r>
-            <a:r>
-              <a:rPr lang="zh-CN" altLang="en-US" sz="1800" dirty="0" smtClean="0"/>
+              <a:rPr lang="zh-CN" altLang="en-US" sz="1800" dirty="0"/>
               <a:t>端使用</a:t>
             </a:r>
-            <a:endParaRPr lang="en-US" altLang="zh-CN" sz="1800" dirty="0" smtClean="0"/>
-          </a:p>
-          <a:p>
-            <a:pPr>
-              <a:buNone/>
-            </a:pPr>
-            <a:r>
-              <a:rPr lang="zh-CN" altLang="en-US" sz="1800" dirty="0" smtClean="0"/>
-              <a:t>             </a:t>
-            </a:r>
-            <a:r>
-              <a:rPr lang="en-US" altLang="zh-CN" sz="1800" dirty="0" smtClean="0"/>
-              <a:t>  CWDM-10G-1550-80KM </a:t>
-            </a:r>
-            <a:r>
-              <a:rPr lang="zh-CN" altLang="en-US" sz="1800" dirty="0" smtClean="0"/>
-              <a:t>模块，</a:t>
-            </a:r>
-            <a:r>
-              <a:rPr lang="en-US" altLang="zh-CN" sz="1800" dirty="0" smtClean="0"/>
-              <a:t>B</a:t>
-            </a:r>
-            <a:r>
-              <a:rPr lang="zh-CN" altLang="en-US" sz="1800" dirty="0" smtClean="0"/>
-              <a:t>端使用</a:t>
-            </a:r>
-            <a:r>
-              <a:rPr lang="en-US" altLang="zh-CN" sz="1800" dirty="0" smtClean="0"/>
+            <a:r>
+              <a:rPr lang="en-US" altLang="zh-CN" sz="1800" dirty="0"/>
               <a:t>DWDM-10G-CH27-80KM </a:t>
             </a:r>
             <a:r>
-              <a:rPr lang="zh-CN" altLang="en-US" sz="1800" dirty="0" smtClean="0"/>
+              <a:rPr lang="zh-CN" altLang="en-US" sz="1800" dirty="0"/>
               <a:t>模块，可以通信吗？</a:t>
             </a:r>
             <a:endParaRPr lang="en-US" altLang="zh-CN" sz="1800" dirty="0"/>
           </a:p>
           <a:p>
-            <a:endParaRPr lang="en-US" altLang="zh-CN" sz="1800" dirty="0" smtClean="0"/>
+            <a:endParaRPr lang="en-US" altLang="zh-CN" sz="1800" dirty="0"/>
           </a:p>
         </p:txBody>
       </p:sp>
     </p:spTree>
     <p:extLst>
       <p:ext uri="{BB962C8B-B14F-4D97-AF65-F5344CB8AC3E}">
-        <p14:creationId xmlns:p14="http://schemas.microsoft.com/office/powerpoint/2010/main" xmlns="" val="1971249776"/>
+        <p14:creationId xmlns:p14="http://schemas.microsoft.com/office/powerpoint/2010/main" val="1971249776"/>
       </p:ext>
     </p:extLst>
   </p:cSld>
   <p:clrMapOvr>
     <a:masterClrMapping/>
   </p:clrMapOvr>
-  <p:timing>
-    <p:tnLst>
-      <p:par>
-        <p:cTn id="1" dur="indefinite" restart="never" nodeType="tmRoot"/>
-      </p:par>
-    </p:tnLst>
-  </p:timing>
 </p:sld>
 </file>
 
@@ -7020,10 +6669,9 @@
           <a:lstStyle/>
           <a:p>
             <a:r>
-              <a:rPr lang="zh-CN" altLang="en-US" dirty="0" smtClean="0"/>
+              <a:rPr lang="zh-CN" altLang="en-US" dirty="0"/>
               <a:t>模块</a:t>
             </a:r>
-            <a:endParaRPr lang="zh-CN" altLang="en-US" dirty="0"/>
           </a:p>
         </p:txBody>
       </p:sp>
@@ -7048,7 +6696,7 @@
           <a:lstStyle/>
           <a:p>
             <a:r>
-              <a:rPr lang="en-US" altLang="zh-CN" dirty="0" smtClean="0"/>
+              <a:rPr lang="en-US" altLang="zh-CN" dirty="0"/>
               <a:t>              1.25G-SFP-850</a:t>
             </a:r>
             <a:endParaRPr lang="zh-CN" altLang="en-US" dirty="0"/>
@@ -7069,7 +6717,7 @@
           <a:blip r:embed="rId2" cstate="print">
             <a:extLst>
               <a:ext uri="{28A0092B-C50C-407E-A947-70E740481C1C}">
-                <a14:useLocalDpi xmlns:a14="http://schemas.microsoft.com/office/drawing/2010/main" xmlns="" val="0"/>
+                <a14:useLocalDpi xmlns:a14="http://schemas.microsoft.com/office/drawing/2010/main" val="0"/>
               </a:ext>
             </a:extLst>
           </a:blip>
@@ -7105,7 +6753,7 @@
           <a:lstStyle/>
           <a:p>
             <a:r>
-              <a:rPr lang="en-US" altLang="zh-CN" dirty="0" smtClean="0"/>
+              <a:rPr lang="en-US" altLang="zh-CN" dirty="0"/>
               <a:t>                 10G-SFP+ 850</a:t>
             </a:r>
             <a:endParaRPr lang="zh-CN" altLang="en-US" dirty="0"/>
@@ -7126,7 +6774,7 @@
           <a:blip r:embed="rId3" cstate="print">
             <a:extLst>
               <a:ext uri="{28A0092B-C50C-407E-A947-70E740481C1C}">
-                <a14:useLocalDpi xmlns:a14="http://schemas.microsoft.com/office/drawing/2010/main" xmlns="" val="0"/>
+                <a14:useLocalDpi xmlns:a14="http://schemas.microsoft.com/office/drawing/2010/main" val="0"/>
               </a:ext>
             </a:extLst>
           </a:blip>
@@ -7153,7 +6801,7 @@
           <a:blip r:embed="rId4" cstate="print">
             <a:extLst>
               <a:ext uri="{28A0092B-C50C-407E-A947-70E740481C1C}">
-                <a14:useLocalDpi xmlns:a14="http://schemas.microsoft.com/office/drawing/2010/main" xmlns="" val="0"/>
+                <a14:useLocalDpi xmlns:a14="http://schemas.microsoft.com/office/drawing/2010/main" val="0"/>
               </a:ext>
             </a:extLst>
           </a:blip>
@@ -7331,7 +6979,7 @@
           </a:lstStyle>
           <a:p>
             <a:r>
-              <a:rPr lang="en-US" altLang="zh-CN" dirty="0" smtClean="0"/>
+              <a:rPr lang="en-US" altLang="zh-CN" dirty="0"/>
               <a:t>                 10G-XFP+ 850</a:t>
             </a:r>
             <a:endParaRPr lang="zh-CN" altLang="en-US" dirty="0"/>
@@ -7341,20 +6989,13 @@
     </p:spTree>
     <p:extLst>
       <p:ext uri="{BB962C8B-B14F-4D97-AF65-F5344CB8AC3E}">
-        <p14:creationId xmlns:p14="http://schemas.microsoft.com/office/powerpoint/2010/main" xmlns="" val="2968154749"/>
+        <p14:creationId xmlns:p14="http://schemas.microsoft.com/office/powerpoint/2010/main" val="2968154749"/>
       </p:ext>
     </p:extLst>
   </p:cSld>
   <p:clrMapOvr>
     <a:masterClrMapping/>
   </p:clrMapOvr>
-  <p:timing>
-    <p:tnLst>
-      <p:par>
-        <p:cTn id="1" dur="indefinite" restart="never" nodeType="tmRoot"/>
-      </p:par>
-    </p:tnLst>
-  </p:timing>
 </p:sld>
 </file>
 
@@ -7396,7 +7037,7 @@
           <a:lstStyle/>
           <a:p>
             <a:r>
-              <a:rPr lang="en-US" altLang="zh-CN" dirty="0" smtClean="0"/>
+              <a:rPr lang="en-US" altLang="zh-CN" dirty="0"/>
               <a:t>         1.25G-SFP-1310</a:t>
             </a:r>
             <a:endParaRPr lang="zh-CN" altLang="en-US" dirty="0"/>
@@ -7417,7 +7058,7 @@
           <a:blip r:embed="rId2" cstate="print">
             <a:extLst>
               <a:ext uri="{28A0092B-C50C-407E-A947-70E740481C1C}">
-                <a14:useLocalDpi xmlns:a14="http://schemas.microsoft.com/office/drawing/2010/main" xmlns="" val="0"/>
+                <a14:useLocalDpi xmlns:a14="http://schemas.microsoft.com/office/drawing/2010/main" val="0"/>
               </a:ext>
             </a:extLst>
           </a:blip>
@@ -7453,7 +7094,7 @@
           <a:lstStyle/>
           <a:p>
             <a:r>
-              <a:rPr lang="en-US" altLang="zh-CN" dirty="0" smtClean="0"/>
+              <a:rPr lang="en-US" altLang="zh-CN" dirty="0"/>
               <a:t>            10G-SFP+ 1310</a:t>
             </a:r>
             <a:endParaRPr lang="zh-CN" altLang="en-US" dirty="0"/>
@@ -7474,7 +7115,7 @@
           <a:blip r:embed="rId3" cstate="print">
             <a:extLst>
               <a:ext uri="{28A0092B-C50C-407E-A947-70E740481C1C}">
-                <a14:useLocalDpi xmlns:a14="http://schemas.microsoft.com/office/drawing/2010/main" xmlns="" val="0"/>
+                <a14:useLocalDpi xmlns:a14="http://schemas.microsoft.com/office/drawing/2010/main" val="0"/>
               </a:ext>
             </a:extLst>
           </a:blip>
@@ -7501,7 +7142,7 @@
           <a:blip r:embed="rId4" cstate="print">
             <a:extLst>
               <a:ext uri="{28A0092B-C50C-407E-A947-70E740481C1C}">
-                <a14:useLocalDpi xmlns:a14="http://schemas.microsoft.com/office/drawing/2010/main" xmlns="" val="0"/>
+                <a14:useLocalDpi xmlns:a14="http://schemas.microsoft.com/office/drawing/2010/main" val="0"/>
               </a:ext>
             </a:extLst>
           </a:blip>
@@ -7679,7 +7320,7 @@
           </a:lstStyle>
           <a:p>
             <a:r>
-              <a:rPr lang="en-US" altLang="zh-CN" dirty="0" smtClean="0"/>
+              <a:rPr lang="en-US" altLang="zh-CN" dirty="0"/>
               <a:t>            10G-XFP- 1310</a:t>
             </a:r>
             <a:endParaRPr lang="zh-CN" altLang="en-US" dirty="0"/>
@@ -7689,20 +7330,13 @@
     </p:spTree>
     <p:extLst>
       <p:ext uri="{BB962C8B-B14F-4D97-AF65-F5344CB8AC3E}">
-        <p14:creationId xmlns:p14="http://schemas.microsoft.com/office/powerpoint/2010/main" xmlns="" val="932917554"/>
+        <p14:creationId xmlns:p14="http://schemas.microsoft.com/office/powerpoint/2010/main" val="932917554"/>
       </p:ext>
     </p:extLst>
   </p:cSld>
   <p:clrMapOvr>
     <a:masterClrMapping/>
   </p:clrMapOvr>
-  <p:timing>
-    <p:tnLst>
-      <p:par>
-        <p:cTn id="1" dur="indefinite" restart="never" nodeType="tmRoot"/>
-      </p:par>
-    </p:tnLst>
-  </p:timing>
 </p:sld>
 </file>
 
@@ -7744,7 +7378,7 @@
           <a:lstStyle/>
           <a:p>
             <a:r>
-              <a:rPr lang="en-US" altLang="zh-CN" dirty="0" smtClean="0"/>
+              <a:rPr lang="en-US" altLang="zh-CN" dirty="0"/>
               <a:t>1.25G-SFP-1550</a:t>
             </a:r>
             <a:endParaRPr lang="zh-CN" altLang="en-US" dirty="0"/>
@@ -7765,7 +7399,7 @@
           <a:blip r:embed="rId2" cstate="print">
             <a:extLst>
               <a:ext uri="{28A0092B-C50C-407E-A947-70E740481C1C}">
-                <a14:useLocalDpi xmlns:a14="http://schemas.microsoft.com/office/drawing/2010/main" xmlns="" val="0"/>
+                <a14:useLocalDpi xmlns:a14="http://schemas.microsoft.com/office/drawing/2010/main" val="0"/>
               </a:ext>
             </a:extLst>
           </a:blip>
@@ -7801,7 +7435,7 @@
           <a:lstStyle/>
           <a:p>
             <a:r>
-              <a:rPr lang="en-US" altLang="zh-CN" dirty="0" smtClean="0"/>
+              <a:rPr lang="en-US" altLang="zh-CN" dirty="0"/>
               <a:t>10G-SFP+ 1550</a:t>
             </a:r>
             <a:endParaRPr lang="zh-CN" altLang="en-US" dirty="0"/>
@@ -7822,7 +7456,7 @@
           <a:blip r:embed="rId3" cstate="print">
             <a:extLst>
               <a:ext uri="{28A0092B-C50C-407E-A947-70E740481C1C}">
-                <a14:useLocalDpi xmlns:a14="http://schemas.microsoft.com/office/drawing/2010/main" xmlns="" val="0"/>
+                <a14:useLocalDpi xmlns:a14="http://schemas.microsoft.com/office/drawing/2010/main" val="0"/>
               </a:ext>
             </a:extLst>
           </a:blip>
@@ -7849,7 +7483,7 @@
           <a:blip r:embed="rId4" cstate="print">
             <a:extLst>
               <a:ext uri="{28A0092B-C50C-407E-A947-70E740481C1C}">
-                <a14:useLocalDpi xmlns:a14="http://schemas.microsoft.com/office/drawing/2010/main" xmlns="" val="0"/>
+                <a14:useLocalDpi xmlns:a14="http://schemas.microsoft.com/office/drawing/2010/main" val="0"/>
               </a:ext>
             </a:extLst>
           </a:blip>
@@ -8027,7 +7661,7 @@
           </a:lstStyle>
           <a:p>
             <a:r>
-              <a:rPr lang="en-US" altLang="zh-CN" dirty="0" smtClean="0"/>
+              <a:rPr lang="en-US" altLang="zh-CN" dirty="0"/>
               <a:t>10G-XFP-1550</a:t>
             </a:r>
             <a:endParaRPr lang="zh-CN" altLang="en-US" dirty="0"/>
@@ -8037,20 +7671,13 @@
     </p:spTree>
     <p:extLst>
       <p:ext uri="{BB962C8B-B14F-4D97-AF65-F5344CB8AC3E}">
-        <p14:creationId xmlns:p14="http://schemas.microsoft.com/office/powerpoint/2010/main" xmlns="" val="310976085"/>
+        <p14:creationId xmlns:p14="http://schemas.microsoft.com/office/powerpoint/2010/main" val="310976085"/>
       </p:ext>
     </p:extLst>
   </p:cSld>
   <p:clrMapOvr>
     <a:masterClrMapping/>
   </p:clrMapOvr>
-  <p:timing>
-    <p:tnLst>
-      <p:par>
-        <p:cTn id="1" dur="indefinite" restart="never" nodeType="tmRoot"/>
-      </p:par>
-    </p:tnLst>
-  </p:timing>
 </p:sld>
 </file>
 
@@ -8116,7 +7743,7 @@
           <a:blip r:embed="rId2" cstate="print">
             <a:extLst>
               <a:ext uri="{28A0092B-C50C-407E-A947-70E740481C1C}">
-                <a14:useLocalDpi xmlns:a14="http://schemas.microsoft.com/office/drawing/2010/main" xmlns="" val="0"/>
+                <a14:useLocalDpi xmlns:a14="http://schemas.microsoft.com/office/drawing/2010/main" val="0"/>
               </a:ext>
             </a:extLst>
           </a:blip>
@@ -8152,7 +7779,7 @@
           <a:lstStyle/>
           <a:p>
             <a:r>
-              <a:rPr lang="en-US" altLang="zh-CN" dirty="0" smtClean="0"/>
+              <a:rPr lang="en-US" altLang="zh-CN" dirty="0"/>
               <a:t>10G-SFP+ 1270-1330-</a:t>
             </a:r>
             <a:r>
@@ -8176,7 +7803,7 @@
           <a:blip r:embed="rId3" cstate="print">
             <a:extLst>
               <a:ext uri="{28A0092B-C50C-407E-A947-70E740481C1C}">
-                <a14:useLocalDpi xmlns:a14="http://schemas.microsoft.com/office/drawing/2010/main" xmlns="" val="0"/>
+                <a14:useLocalDpi xmlns:a14="http://schemas.microsoft.com/office/drawing/2010/main" val="0"/>
               </a:ext>
             </a:extLst>
           </a:blip>
@@ -8203,7 +7830,7 @@
           <a:blip r:embed="rId4" cstate="print">
             <a:extLst>
               <a:ext uri="{28A0092B-C50C-407E-A947-70E740481C1C}">
-                <a14:useLocalDpi xmlns:a14="http://schemas.microsoft.com/office/drawing/2010/main" xmlns="" val="0"/>
+                <a14:useLocalDpi xmlns:a14="http://schemas.microsoft.com/office/drawing/2010/main" val="0"/>
               </a:ext>
             </a:extLst>
           </a:blip>
@@ -8381,34 +8008,26 @@
           </a:lstStyle>
           <a:p>
             <a:r>
-              <a:rPr lang="en-US" altLang="zh-CN" dirty="0" smtClean="0"/>
+              <a:rPr lang="en-US" altLang="zh-CN" dirty="0"/>
               <a:t>10G-XFP-1270-1330-</a:t>
             </a:r>
             <a:r>
-              <a:rPr lang="zh-CN" altLang="en-US" dirty="0" smtClean="0"/>
+              <a:rPr lang="zh-CN" altLang="en-US" dirty="0"/>
               <a:t>单芯</a:t>
             </a:r>
-            <a:endParaRPr lang="zh-CN" altLang="en-US" dirty="0"/>
           </a:p>
         </p:txBody>
       </p:sp>
     </p:spTree>
     <p:extLst>
       <p:ext uri="{BB962C8B-B14F-4D97-AF65-F5344CB8AC3E}">
-        <p14:creationId xmlns:p14="http://schemas.microsoft.com/office/powerpoint/2010/main" xmlns="" val="623374618"/>
+        <p14:creationId xmlns:p14="http://schemas.microsoft.com/office/powerpoint/2010/main" val="623374618"/>
       </p:ext>
     </p:extLst>
   </p:cSld>
   <p:clrMapOvr>
     <a:masterClrMapping/>
   </p:clrMapOvr>
-  <p:timing>
-    <p:tnLst>
-      <p:par>
-        <p:cTn id="1" dur="indefinite" restart="never" nodeType="tmRoot"/>
-      </p:par>
-    </p:tnLst>
-  </p:timing>
 </p:sld>
 </file>
 
